--- a/Presentation/Bayesian Classifiers in Python.pptx
+++ b/Presentation/Bayesian Classifiers in Python.pptx
@@ -1,14 +1,14 @@
 
 <file path=ppt/presentation.xml><?xml version="1.0" encoding="utf-8"?>
-<p:presentation xmlns:a="http://schemas.openxmlformats.org/drawingml/2006/main" xmlns:r="http://schemas.openxmlformats.org/officeDocument/2006/relationships" xmlns:p="http://schemas.openxmlformats.org/presentationml/2006/main" removePersonalInfoOnSave="1" saveSubsetFonts="1">
+<p:presentation xmlns:a="http://schemas.openxmlformats.org/drawingml/2006/main" xmlns:r="http://schemas.openxmlformats.org/officeDocument/2006/relationships" xmlns:p="http://schemas.openxmlformats.org/presentationml/2006/main" removePersonalInfoOnSave="1" saveSubsetFonts="1" bookmarkIdSeed="3">
   <p:sldMasterIdLst>
     <p:sldMasterId id="2147483648" r:id="rId1"/>
   </p:sldMasterIdLst>
   <p:notesMasterIdLst>
-    <p:notesMasterId r:id="rId19"/>
+    <p:notesMasterId r:id="rId22"/>
   </p:notesMasterIdLst>
   <p:handoutMasterIdLst>
-    <p:handoutMasterId r:id="rId20"/>
+    <p:handoutMasterId r:id="rId23"/>
   </p:handoutMasterIdLst>
   <p:sldIdLst>
     <p:sldId id="259" r:id="rId2"/>
@@ -26,8 +26,11 @@
     <p:sldId id="275" r:id="rId14"/>
     <p:sldId id="276" r:id="rId15"/>
     <p:sldId id="272" r:id="rId16"/>
-    <p:sldId id="273" r:id="rId17"/>
-    <p:sldId id="274" r:id="rId18"/>
+    <p:sldId id="280" r:id="rId17"/>
+    <p:sldId id="273" r:id="rId18"/>
+    <p:sldId id="274" r:id="rId19"/>
+    <p:sldId id="277" r:id="rId20"/>
+    <p:sldId id="279" r:id="rId21"/>
   </p:sldIdLst>
   <p:sldSz cx="9144000" cy="6858000" type="screen4x3"/>
   <p:notesSz cx="6858000" cy="9144000"/>
@@ -162,12 +165,15 @@
         <p14:section name="Implementing Bayesian Classifiers in Python" id="{FB064429-91AB-473F-AD0B-86D160FAF2E8}">
           <p14:sldIdLst>
             <p14:sldId id="272"/>
+            <p14:sldId id="280"/>
           </p14:sldIdLst>
         </p14:section>
         <p14:section name="Illustrative Example" id="{6E463148-209F-4142-B353-A75BCD58E99C}">
           <p14:sldIdLst>
             <p14:sldId id="273"/>
             <p14:sldId id="274"/>
+            <p14:sldId id="277"/>
+            <p14:sldId id="279"/>
           </p14:sldIdLst>
         </p14:section>
         <p14:section name="Appendix" id="{3F78B471-41DA-46F2-A8E4-97E471896AB3}">
@@ -262,7 +268,7 @@
             <a:fld id="{D83FDC75-7F73-4A4A-A77C-09AADF00E0EA}" type="datetimeFigureOut">
               <a:rPr lang="en-US" smtClean="0"/>
               <a:pPr/>
-              <a:t>11/30/2012</a:t>
+              <a:t>12/2/2012</a:t>
             </a:fld>
             <a:endParaRPr lang="en-US" dirty="0"/>
           </a:p>
@@ -429,7 +435,7 @@
             <a:fld id="{48AEF76B-3757-4A0B-AF93-28494465C1DD}" type="datetimeFigureOut">
               <a:rPr lang="en-US" smtClean="0"/>
               <a:pPr/>
-              <a:t>11/30/2012</a:t>
+              <a:t>12/2/2012</a:t>
             </a:fld>
             <a:endParaRPr lang="en-US" dirty="0"/>
           </a:p>
@@ -1266,6 +1272,311 @@
     <p:extLst>
       <p:ext uri="{BB962C8B-B14F-4D97-AF65-F5344CB8AC3E}">
         <p14:creationId xmlns:p14="http://schemas.microsoft.com/office/powerpoint/2010/main" val="924278485"/>
+      </p:ext>
+    </p:extLst>
+  </p:cSld>
+  <p:clrMapOvr>
+    <a:masterClrMapping/>
+  </p:clrMapOvr>
+</p:notes>
+</file>
+
+<file path=ppt/notesSlides/notesSlide5.xml><?xml version="1.0" encoding="utf-8"?>
+<p:notes xmlns:a="http://schemas.openxmlformats.org/drawingml/2006/main" xmlns:r="http://schemas.openxmlformats.org/officeDocument/2006/relationships" xmlns:p="http://schemas.openxmlformats.org/presentationml/2006/main">
+  <p:cSld>
+    <p:spTree>
+      <p:nvGrpSpPr>
+        <p:cNvPr id="1" name=""/>
+        <p:cNvGrpSpPr/>
+        <p:nvPr/>
+      </p:nvGrpSpPr>
+      <p:grpSpPr>
+        <a:xfrm>
+          <a:off x="0" y="0"/>
+          <a:ext cx="0" cy="0"/>
+          <a:chOff x="0" y="0"/>
+          <a:chExt cx="0" cy="0"/>
+        </a:xfrm>
+      </p:grpSpPr>
+      <p:sp>
+        <p:nvSpPr>
+          <p:cNvPr id="2" name="Slide Image Placeholder 1"/>
+          <p:cNvSpPr>
+            <a:spLocks noGrp="1" noRot="1" noChangeAspect="1"/>
+          </p:cNvSpPr>
+          <p:nvPr>
+            <p:ph type="sldImg"/>
+          </p:nvPr>
+        </p:nvSpPr>
+        <p:spPr/>
+      </p:sp>
+      <p:sp>
+        <p:nvSpPr>
+          <p:cNvPr id="3" name="Notes Placeholder 2"/>
+          <p:cNvSpPr>
+            <a:spLocks noGrp="1"/>
+          </p:cNvSpPr>
+          <p:nvPr>
+            <p:ph type="body" idx="1"/>
+          </p:nvPr>
+        </p:nvSpPr>
+        <p:spPr/>
+        <p:txBody>
+          <a:bodyPr/>
+          <a:lstStyle/>
+          <a:p>
+            <a:pPr marL="171450" marR="0" indent="-171450" algn="l" defTabSz="914400" rtl="0" eaLnBrk="1" fontAlgn="auto" latinLnBrk="0" hangingPunct="1">
+              <a:lnSpc>
+                <a:spcPct val="100000"/>
+              </a:lnSpc>
+              <a:spcBef>
+                <a:spcPts val="0"/>
+              </a:spcBef>
+              <a:spcAft>
+                <a:spcPts val="0"/>
+              </a:spcAft>
+              <a:buClrTx/>
+              <a:buSzTx/>
+              <a:buFontTx/>
+              <a:buChar char="-"/>
+              <a:tabLst/>
+              <a:defRPr/>
+            </a:pPr>
+            <a:r>
+              <a:rPr lang="en-US" dirty="0" smtClean="0"/>
+              <a:t>Small number of misclassified observations (represented as dark triangles)</a:t>
+            </a:r>
+          </a:p>
+          <a:p>
+            <a:pPr marL="171450" marR="0" indent="-171450" algn="l" defTabSz="914400" rtl="0" eaLnBrk="1" fontAlgn="auto" latinLnBrk="0" hangingPunct="1">
+              <a:lnSpc>
+                <a:spcPct val="100000"/>
+              </a:lnSpc>
+              <a:spcBef>
+                <a:spcPts val="0"/>
+              </a:spcBef>
+              <a:spcAft>
+                <a:spcPts val="0"/>
+              </a:spcAft>
+              <a:buClrTx/>
+              <a:buSzTx/>
+              <a:buFontTx/>
+              <a:buChar char="-"/>
+              <a:tabLst/>
+              <a:defRPr/>
+            </a:pPr>
+            <a:r>
+              <a:rPr lang="en-US" dirty="0" smtClean="0"/>
+              <a:t>Errors lie the boundaries between the three groups</a:t>
+            </a:r>
+          </a:p>
+          <a:p>
+            <a:pPr marL="171450" marR="0" indent="-171450" algn="l" defTabSz="914400" rtl="0" eaLnBrk="1" fontAlgn="auto" latinLnBrk="0" hangingPunct="1">
+              <a:lnSpc>
+                <a:spcPct val="100000"/>
+              </a:lnSpc>
+              <a:spcBef>
+                <a:spcPts val="0"/>
+              </a:spcBef>
+              <a:spcAft>
+                <a:spcPts val="0"/>
+              </a:spcAft>
+              <a:buClrTx/>
+              <a:buSzTx/>
+              <a:buFontTx/>
+              <a:buChar char="-"/>
+              <a:tabLst/>
+              <a:defRPr/>
+            </a:pPr>
+            <a:endParaRPr lang="en-US" dirty="0" smtClean="0"/>
+          </a:p>
+          <a:p>
+            <a:endParaRPr lang="en-US" dirty="0"/>
+          </a:p>
+        </p:txBody>
+      </p:sp>
+      <p:sp>
+        <p:nvSpPr>
+          <p:cNvPr id="4" name="Slide Number Placeholder 3"/>
+          <p:cNvSpPr>
+            <a:spLocks noGrp="1"/>
+          </p:cNvSpPr>
+          <p:nvPr>
+            <p:ph type="sldNum" sz="quarter" idx="10"/>
+          </p:nvPr>
+        </p:nvSpPr>
+        <p:spPr/>
+        <p:txBody>
+          <a:bodyPr/>
+          <a:lstStyle/>
+          <a:p>
+            <a:fld id="{75693FD4-8F83-4EF7-AC3F-0DC0388986B0}" type="slidenum">
+              <a:rPr lang="en-US" smtClean="0"/>
+              <a:pPr/>
+              <a:t>19</a:t>
+            </a:fld>
+            <a:endParaRPr lang="en-US" dirty="0"/>
+          </a:p>
+        </p:txBody>
+      </p:sp>
+    </p:spTree>
+    <p:extLst>
+      <p:ext uri="{BB962C8B-B14F-4D97-AF65-F5344CB8AC3E}">
+        <p14:creationId xmlns:p14="http://schemas.microsoft.com/office/powerpoint/2010/main" val="127720729"/>
+      </p:ext>
+    </p:extLst>
+  </p:cSld>
+  <p:clrMapOvr>
+    <a:masterClrMapping/>
+  </p:clrMapOvr>
+</p:notes>
+</file>
+
+<file path=ppt/notesSlides/notesSlide6.xml><?xml version="1.0" encoding="utf-8"?>
+<p:notes xmlns:a="http://schemas.openxmlformats.org/drawingml/2006/main" xmlns:r="http://schemas.openxmlformats.org/officeDocument/2006/relationships" xmlns:p="http://schemas.openxmlformats.org/presentationml/2006/main">
+  <p:cSld>
+    <p:spTree>
+      <p:nvGrpSpPr>
+        <p:cNvPr id="1" name=""/>
+        <p:cNvGrpSpPr/>
+        <p:nvPr/>
+      </p:nvGrpSpPr>
+      <p:grpSpPr>
+        <a:xfrm>
+          <a:off x="0" y="0"/>
+          <a:ext cx="0" cy="0"/>
+          <a:chOff x="0" y="0"/>
+          <a:chExt cx="0" cy="0"/>
+        </a:xfrm>
+      </p:grpSpPr>
+      <p:sp>
+        <p:nvSpPr>
+          <p:cNvPr id="2" name="Slide Image Placeholder 1"/>
+          <p:cNvSpPr>
+            <a:spLocks noGrp="1" noRot="1" noChangeAspect="1"/>
+          </p:cNvSpPr>
+          <p:nvPr>
+            <p:ph type="sldImg"/>
+          </p:nvPr>
+        </p:nvSpPr>
+        <p:spPr/>
+      </p:sp>
+      <p:sp>
+        <p:nvSpPr>
+          <p:cNvPr id="3" name="Notes Placeholder 2"/>
+          <p:cNvSpPr>
+            <a:spLocks noGrp="1"/>
+          </p:cNvSpPr>
+          <p:nvPr>
+            <p:ph type="body" idx="1"/>
+          </p:nvPr>
+        </p:nvSpPr>
+        <p:spPr/>
+        <p:txBody>
+          <a:bodyPr/>
+          <a:lstStyle/>
+          <a:p>
+            <a:pPr marL="457200" lvl="1" indent="0">
+              <a:buNone/>
+            </a:pPr>
+            <a:endParaRPr lang="en-US" dirty="0" smtClean="0"/>
+          </a:p>
+          <a:p>
+            <a:pPr marL="457200" lvl="1" indent="0">
+              <a:buNone/>
+            </a:pPr>
+            <a:r>
+              <a:rPr lang="en-US" dirty="0" smtClean="0"/>
+              <a:t>Example of ROC</a:t>
+            </a:r>
+          </a:p>
+          <a:p>
+            <a:pPr marL="457200" lvl="1" indent="0">
+              <a:buNone/>
+            </a:pPr>
+            <a:r>
+              <a:rPr lang="en-US" dirty="0" smtClean="0"/>
+              <a:t>	- Take a green observation (x</a:t>
+            </a:r>
+            <a:r>
+              <a:rPr lang="en-US" baseline="-25000" dirty="0" smtClean="0"/>
+              <a:t>1</a:t>
+            </a:r>
+            <a:r>
+              <a:rPr lang="en-US" dirty="0" smtClean="0"/>
+              <a:t>) and a red observation (x</a:t>
+            </a:r>
+            <a:r>
+              <a:rPr lang="en-US" baseline="-25000" dirty="0" smtClean="0"/>
+              <a:t>2</a:t>
+            </a:r>
+            <a:r>
+              <a:rPr lang="en-US" dirty="0" smtClean="0"/>
+              <a:t>) </a:t>
+            </a:r>
+          </a:p>
+          <a:p>
+            <a:pPr marL="457200" lvl="1" indent="0">
+              <a:buNone/>
+            </a:pPr>
+            <a:r>
+              <a:rPr lang="en-US" dirty="0" smtClean="0"/>
+              <a:t>	- Compute the probability of each observation being green</a:t>
+            </a:r>
+          </a:p>
+          <a:p>
+            <a:pPr marL="457200" lvl="1" indent="0">
+              <a:buNone/>
+            </a:pPr>
+            <a:r>
+              <a:rPr lang="en-US" dirty="0" smtClean="0"/>
+              <a:t>	- If the probability</a:t>
+            </a:r>
+            <a:r>
+              <a:rPr lang="en-US" baseline="0" dirty="0" smtClean="0"/>
+              <a:t> of x1 being green is greater than the probability of x2 being green, then assign a 1, otherwise 0</a:t>
+            </a:r>
+          </a:p>
+          <a:p>
+            <a:pPr marL="457200" lvl="1" indent="0">
+              <a:buNone/>
+            </a:pPr>
+            <a:r>
+              <a:rPr lang="en-US" baseline="0" dirty="0" smtClean="0"/>
+              <a:t>         - Repeat and average the results</a:t>
+            </a:r>
+            <a:endParaRPr lang="en-US" dirty="0"/>
+          </a:p>
+        </p:txBody>
+      </p:sp>
+      <p:sp>
+        <p:nvSpPr>
+          <p:cNvPr id="4" name="Slide Number Placeholder 3"/>
+          <p:cNvSpPr>
+            <a:spLocks noGrp="1"/>
+          </p:cNvSpPr>
+          <p:nvPr>
+            <p:ph type="sldNum" sz="quarter" idx="10"/>
+          </p:nvPr>
+        </p:nvSpPr>
+        <p:spPr/>
+        <p:txBody>
+          <a:bodyPr/>
+          <a:lstStyle/>
+          <a:p>
+            <a:fld id="{75693FD4-8F83-4EF7-AC3F-0DC0388986B0}" type="slidenum">
+              <a:rPr lang="en-US" smtClean="0"/>
+              <a:pPr/>
+              <a:t>20</a:t>
+            </a:fld>
+            <a:endParaRPr lang="en-US" dirty="0"/>
+          </a:p>
+        </p:txBody>
+      </p:sp>
+    </p:spTree>
+    <p:extLst>
+      <p:ext uri="{BB962C8B-B14F-4D97-AF65-F5344CB8AC3E}">
+        <p14:creationId xmlns:p14="http://schemas.microsoft.com/office/powerpoint/2010/main" val="2650039951"/>
       </p:ext>
     </p:extLst>
   </p:cSld>
@@ -1743,7 +2054,7 @@
             <a:fld id="{757B281C-5159-4971-8228-52B9A72E9ED2}" type="datetimeFigureOut">
               <a:rPr lang="en-US" smtClean="0"/>
               <a:pPr/>
-              <a:t>11/30/2012</a:t>
+              <a:t>12/2/2012</a:t>
             </a:fld>
             <a:endParaRPr lang="en-US" dirty="0"/>
           </a:p>
@@ -1845,7 +2156,7 @@
             <a:fld id="{757B281C-5159-4971-8228-52B9A72E9ED2}" type="datetimeFigureOut">
               <a:rPr lang="en-US" smtClean="0"/>
               <a:pPr/>
-              <a:t>11/30/2012</a:t>
+              <a:t>12/2/2012</a:t>
             </a:fld>
             <a:endParaRPr lang="en-US" dirty="0"/>
           </a:p>
@@ -1981,7 +2292,7 @@
             <a:fld id="{757B281C-5159-4971-8228-52B9A72E9ED2}" type="datetimeFigureOut">
               <a:rPr lang="en-US" smtClean="0"/>
               <a:pPr/>
-              <a:t>11/30/2012</a:t>
+              <a:t>12/2/2012</a:t>
             </a:fld>
             <a:endParaRPr lang="en-US" dirty="0"/>
           </a:p>
@@ -2187,7 +2498,7 @@
             <a:fld id="{757B281C-5159-4971-8228-52B9A72E9ED2}" type="datetimeFigureOut">
               <a:rPr lang="en-US" smtClean="0"/>
               <a:pPr/>
-              <a:t>11/30/2012</a:t>
+              <a:t>12/2/2012</a:t>
             </a:fld>
             <a:endParaRPr lang="en-US" dirty="0"/>
           </a:p>
@@ -2586,7 +2897,7 @@
             <a:fld id="{757B281C-5159-4971-8228-52B9A72E9ED2}" type="datetimeFigureOut">
               <a:rPr lang="en-US" smtClean="0"/>
               <a:pPr/>
-              <a:t>11/30/2012</a:t>
+              <a:t>12/2/2012</a:t>
             </a:fld>
             <a:endParaRPr lang="en-US" dirty="0"/>
           </a:p>
@@ -2886,7 +3197,7 @@
             <a:fld id="{757B281C-5159-4971-8228-52B9A72E9ED2}" type="datetimeFigureOut">
               <a:rPr lang="en-US" smtClean="0"/>
               <a:pPr/>
-              <a:t>11/30/2012</a:t>
+              <a:t>12/2/2012</a:t>
             </a:fld>
             <a:endParaRPr lang="en-US" dirty="0"/>
           </a:p>
@@ -3315,7 +3626,7 @@
             <a:fld id="{757B281C-5159-4971-8228-52B9A72E9ED2}" type="datetimeFigureOut">
               <a:rPr lang="en-US" smtClean="0"/>
               <a:pPr/>
-              <a:t>11/30/2012</a:t>
+              <a:t>12/2/2012</a:t>
             </a:fld>
             <a:endParaRPr lang="en-US" dirty="0"/>
           </a:p>
@@ -3592,7 +3903,7 @@
             <a:fld id="{757B281C-5159-4971-8228-52B9A72E9ED2}" type="datetimeFigureOut">
               <a:rPr lang="en-US" smtClean="0"/>
               <a:pPr/>
-              <a:t>11/30/2012</a:t>
+              <a:t>12/2/2012</a:t>
             </a:fld>
             <a:endParaRPr lang="en-US" dirty="0"/>
           </a:p>
@@ -3856,7 +4167,7 @@
             <a:fld id="{757B281C-5159-4971-8228-52B9A72E9ED2}" type="datetimeFigureOut">
               <a:rPr lang="en-US" smtClean="0"/>
               <a:pPr/>
-              <a:t>11/30/2012</a:t>
+              <a:t>12/2/2012</a:t>
             </a:fld>
             <a:endParaRPr lang="en-US" dirty="0"/>
           </a:p>
@@ -4026,7 +4337,7 @@
             <a:fld id="{757B281C-5159-4971-8228-52B9A72E9ED2}" type="datetimeFigureOut">
               <a:rPr lang="en-US" smtClean="0"/>
               <a:pPr/>
-              <a:t>11/30/2012</a:t>
+              <a:t>12/2/2012</a:t>
             </a:fld>
             <a:endParaRPr lang="en-US" dirty="0"/>
           </a:p>
@@ -4206,7 +4517,7 @@
             <a:fld id="{757B281C-5159-4971-8228-52B9A72E9ED2}" type="datetimeFigureOut">
               <a:rPr lang="en-US" smtClean="0"/>
               <a:pPr/>
-              <a:t>11/30/2012</a:t>
+              <a:t>12/2/2012</a:t>
             </a:fld>
             <a:endParaRPr lang="en-US" dirty="0"/>
           </a:p>
@@ -4448,7 +4759,7 @@
             <a:fld id="{757B281C-5159-4971-8228-52B9A72E9ED2}" type="datetimeFigureOut">
               <a:rPr lang="en-US" smtClean="0"/>
               <a:pPr/>
-              <a:t>11/30/2012</a:t>
+              <a:t>12/2/2012</a:t>
             </a:fld>
             <a:endParaRPr lang="en-US" dirty="0"/>
           </a:p>
@@ -5055,12 +5366,16 @@
               <a:t>There are two football teams on </a:t>
             </a:r>
             <a:r>
-              <a:rPr lang="en-US" dirty="0" err="1" smtClean="0"/>
-              <a:t>tv</a:t>
-            </a:r>
-            <a:r>
               <a:rPr lang="en-US" dirty="0" smtClean="0"/>
-              <a:t> today, the Chicago Bears and the Green Bay Packers. </a:t>
+              <a:t>TV </a:t>
+            </a:r>
+            <a:r>
+              <a:rPr lang="en-US" dirty="0" smtClean="0"/>
+              <a:t>today</a:t>
+            </a:r>
+            <a:r>
+              <a:rPr lang="en-US" dirty="0" smtClean="0"/>
+              <a:t>, the Chicago Bears and the Green Bay Packers. </a:t>
             </a:r>
           </a:p>
           <a:p>
@@ -5361,11 +5676,7 @@
             </a:r>
             <a:r>
               <a:rPr lang="en-US" sz="2700" dirty="0" smtClean="0"/>
-              <a:t>Theorem: </a:t>
-            </a:r>
-            <a:r>
-              <a:rPr lang="en-US" sz="2700" dirty="0" smtClean="0"/>
-              <a:t>Example Usage</a:t>
+              <a:t>Theorem: Example Usage</a:t>
             </a:r>
             <a:r>
               <a:rPr lang="en-US" dirty="0"/>
@@ -6075,11 +6386,7 @@
             </a:r>
             <a:r>
               <a:rPr lang="en-US" sz="2700" dirty="0" smtClean="0"/>
-              <a:t>Theorem: </a:t>
-            </a:r>
-            <a:r>
-              <a:rPr lang="en-US" sz="2700" dirty="0" smtClean="0"/>
-              <a:t>Example Usage</a:t>
+              <a:t>Theorem: Example Usage</a:t>
             </a:r>
             <a:r>
               <a:rPr lang="en-US" dirty="0"/>
@@ -6292,14 +6599,14 @@
           <p:nvPr>
             <p:extLst>
               <p:ext uri="{D42A27DB-BD31-4B8C-83A1-F6EECF244321}">
-                <p14:modId xmlns:p14="http://schemas.microsoft.com/office/powerpoint/2010/main" val="132799653"/>
+                <p14:modId xmlns:p14="http://schemas.microsoft.com/office/powerpoint/2010/main" val="579999152"/>
               </p:ext>
             </p:extLst>
           </p:nvPr>
         </p:nvGraphicFramePr>
         <p:xfrm>
           <a:off x="3886200" y="1857289"/>
-          <a:ext cx="3925959" cy="2067948"/>
+          <a:ext cx="3925959" cy="2173458"/>
         </p:xfrm>
         <a:graphic>
           <a:graphicData uri="http://schemas.openxmlformats.org/drawingml/2006/table">
@@ -6378,11 +6685,21 @@
                     <a:p>
                       <a:r>
                         <a:rPr lang="en-US" sz="900" dirty="0" smtClean="0"/>
-                        <a:t>P(Small)=</a:t>
+                        <a:t>P(Small</a:t>
+                      </a:r>
+                      <a:r>
+                        <a:rPr lang="en-US" sz="900" dirty="0" smtClean="0"/>
+                        <a:t>)=</a:t>
                       </a:r>
                       <a:r>
                         <a:rPr lang="en-US" sz="900" baseline="0" dirty="0" smtClean="0"/>
                         <a:t> 80%</a:t>
+                      </a:r>
+                    </a:p>
+                    <a:p>
+                      <a:r>
+                        <a:rPr lang="en-US" sz="900" baseline="0" dirty="0" smtClean="0"/>
+                        <a:t>P(Large)= 20%</a:t>
                       </a:r>
                       <a:endParaRPr lang="en-US" sz="900" dirty="0"/>
                     </a:p>
@@ -6396,7 +6713,21 @@
                     <a:p>
                       <a:r>
                         <a:rPr lang="en-US" sz="900" dirty="0" smtClean="0"/>
-                        <a:t>P(Small)= 30%</a:t>
+                        <a:t>P(Small)= 30</a:t>
+                      </a:r>
+                      <a:r>
+                        <a:rPr lang="en-US" sz="900" dirty="0" smtClean="0"/>
+                        <a:t>%</a:t>
+                      </a:r>
+                    </a:p>
+                    <a:p>
+                      <a:r>
+                        <a:rPr lang="en-US" sz="900" dirty="0" smtClean="0"/>
+                        <a:t>P(Large)=</a:t>
+                      </a:r>
+                      <a:r>
+                        <a:rPr lang="en-US" sz="900" baseline="0" dirty="0" smtClean="0"/>
+                        <a:t> 70%</a:t>
                       </a:r>
                       <a:endParaRPr lang="en-US" sz="900" dirty="0"/>
                     </a:p>
@@ -6426,7 +6757,21 @@
                     <a:p>
                       <a:r>
                         <a:rPr lang="en-US" sz="900" dirty="0" smtClean="0"/>
-                        <a:t>P(Pointed)=90%</a:t>
+                        <a:t>P(Pointed)=</a:t>
+                      </a:r>
+                      <a:r>
+                        <a:rPr lang="en-US" sz="900" baseline="0" dirty="0" smtClean="0"/>
+                        <a:t> </a:t>
+                      </a:r>
+                      <a:r>
+                        <a:rPr lang="en-US" sz="900" dirty="0" smtClean="0"/>
+                        <a:t>90%</a:t>
+                      </a:r>
+                    </a:p>
+                    <a:p>
+                      <a:r>
+                        <a:rPr lang="en-US" sz="900" dirty="0" smtClean="0"/>
+                        <a:t>P(Floppy)= 10%</a:t>
                       </a:r>
                       <a:endParaRPr lang="en-US" sz="900" dirty="0"/>
                     </a:p>
@@ -6444,7 +6789,42 @@
                       </a:r>
                       <a:r>
                         <a:rPr lang="en-US" sz="900" baseline="0" dirty="0" smtClean="0"/>
-                        <a:t> 10%</a:t>
+                        <a:t> 10</a:t>
+                      </a:r>
+                      <a:r>
+                        <a:rPr lang="en-US" sz="900" baseline="0" dirty="0" smtClean="0"/>
+                        <a:t>%</a:t>
+                      </a:r>
+                    </a:p>
+                    <a:p>
+                      <a:pPr marL="0" marR="0" indent="0" algn="l" defTabSz="914400" rtl="0" eaLnBrk="1" fontAlgn="auto" latinLnBrk="0" hangingPunct="1">
+                        <a:lnSpc>
+                          <a:spcPct val="100000"/>
+                        </a:lnSpc>
+                        <a:spcBef>
+                          <a:spcPts val="0"/>
+                        </a:spcBef>
+                        <a:spcAft>
+                          <a:spcPts val="0"/>
+                        </a:spcAft>
+                        <a:buClrTx/>
+                        <a:buSzTx/>
+                        <a:buFontTx/>
+                        <a:buNone/>
+                        <a:tabLst/>
+                        <a:defRPr/>
+                      </a:pPr>
+                      <a:r>
+                        <a:rPr lang="en-US" sz="900" dirty="0" smtClean="0"/>
+                        <a:t>P(Floppy)=</a:t>
+                      </a:r>
+                      <a:r>
+                        <a:rPr lang="en-US" sz="900" baseline="0" dirty="0" smtClean="0"/>
+                        <a:t> 9</a:t>
+                      </a:r>
+                      <a:r>
+                        <a:rPr lang="en-US" sz="900" dirty="0" smtClean="0"/>
+                        <a:t>0%</a:t>
                       </a:r>
                       <a:endParaRPr lang="en-US" sz="900" dirty="0"/>
                     </a:p>
@@ -6474,7 +6854,21 @@
                     <a:p>
                       <a:r>
                         <a:rPr lang="en-US" sz="900" dirty="0" smtClean="0"/>
-                        <a:t>P(Aloof)=60%</a:t>
+                        <a:t>P(Aloof</a:t>
+                      </a:r>
+                      <a:r>
+                        <a:rPr lang="en-US" sz="900" dirty="0" smtClean="0"/>
+                        <a:t>)= 60%</a:t>
+                      </a:r>
+                    </a:p>
+                    <a:p>
+                      <a:r>
+                        <a:rPr lang="en-US" sz="900" dirty="0" smtClean="0"/>
+                        <a:t>P(Loving)=</a:t>
+                      </a:r>
+                      <a:r>
+                        <a:rPr lang="en-US" sz="900" baseline="0" dirty="0" smtClean="0"/>
+                        <a:t> 40%</a:t>
                       </a:r>
                       <a:endParaRPr lang="en-US" sz="900" dirty="0"/>
                     </a:p>
@@ -6492,7 +6886,38 @@
                       </a:r>
                       <a:r>
                         <a:rPr lang="en-US" sz="900" baseline="0" dirty="0" smtClean="0"/>
-                        <a:t> 10%</a:t>
+                        <a:t> 10</a:t>
+                      </a:r>
+                      <a:r>
+                        <a:rPr lang="en-US" sz="900" baseline="0" dirty="0" smtClean="0"/>
+                        <a:t>%</a:t>
+                      </a:r>
+                    </a:p>
+                    <a:p>
+                      <a:pPr marL="0" marR="0" indent="0" algn="l" defTabSz="914400" rtl="0" eaLnBrk="1" fontAlgn="auto" latinLnBrk="0" hangingPunct="1">
+                        <a:lnSpc>
+                          <a:spcPct val="100000"/>
+                        </a:lnSpc>
+                        <a:spcBef>
+                          <a:spcPts val="0"/>
+                        </a:spcBef>
+                        <a:spcAft>
+                          <a:spcPts val="0"/>
+                        </a:spcAft>
+                        <a:buClrTx/>
+                        <a:buSzTx/>
+                        <a:buFontTx/>
+                        <a:buNone/>
+                        <a:tabLst/>
+                        <a:defRPr/>
+                      </a:pPr>
+                      <a:r>
+                        <a:rPr lang="en-US" sz="900" dirty="0" smtClean="0"/>
+                        <a:t>P(Loving)=</a:t>
+                      </a:r>
+                      <a:r>
+                        <a:rPr lang="en-US" sz="900" baseline="0" dirty="0" smtClean="0"/>
+                        <a:t> 90%</a:t>
                       </a:r>
                       <a:endParaRPr lang="en-US" sz="900" dirty="0"/>
                     </a:p>
@@ -6522,7 +6947,38 @@
                     <a:p>
                       <a:r>
                         <a:rPr lang="en-US" sz="900" dirty="0" smtClean="0"/>
-                        <a:t>P(Erect)=75%</a:t>
+                        <a:t>P(Erect)=75</a:t>
+                      </a:r>
+                      <a:r>
+                        <a:rPr lang="en-US" sz="900" dirty="0" smtClean="0"/>
+                        <a:t>%</a:t>
+                      </a:r>
+                    </a:p>
+                    <a:p>
+                      <a:pPr marL="0" marR="0" indent="0" algn="l" defTabSz="914400" rtl="0" eaLnBrk="1" fontAlgn="auto" latinLnBrk="0" hangingPunct="1">
+                        <a:lnSpc>
+                          <a:spcPct val="100000"/>
+                        </a:lnSpc>
+                        <a:spcBef>
+                          <a:spcPts val="0"/>
+                        </a:spcBef>
+                        <a:spcAft>
+                          <a:spcPts val="0"/>
+                        </a:spcAft>
+                        <a:buClrTx/>
+                        <a:buSzTx/>
+                        <a:buFontTx/>
+                        <a:buNone/>
+                        <a:tabLst/>
+                        <a:defRPr/>
+                      </a:pPr>
+                      <a:r>
+                        <a:rPr lang="en-US" sz="900" dirty="0" smtClean="0"/>
+                        <a:t>P(Wagging)=</a:t>
+                      </a:r>
+                      <a:r>
+                        <a:rPr lang="en-US" sz="900" baseline="0" dirty="0" smtClean="0"/>
+                        <a:t> 25%</a:t>
                       </a:r>
                       <a:endParaRPr lang="en-US" sz="900" dirty="0"/>
                     </a:p>
@@ -6540,7 +6996,38 @@
                       </a:r>
                       <a:r>
                         <a:rPr lang="en-US" sz="900" baseline="0" dirty="0" smtClean="0"/>
-                        <a:t> 40%</a:t>
+                        <a:t> 40</a:t>
+                      </a:r>
+                      <a:r>
+                        <a:rPr lang="en-US" sz="900" baseline="0" dirty="0" smtClean="0"/>
+                        <a:t>%</a:t>
+                      </a:r>
+                    </a:p>
+                    <a:p>
+                      <a:pPr marL="0" marR="0" indent="0" algn="l" defTabSz="914400" rtl="0" eaLnBrk="1" fontAlgn="auto" latinLnBrk="0" hangingPunct="1">
+                        <a:lnSpc>
+                          <a:spcPct val="100000"/>
+                        </a:lnSpc>
+                        <a:spcBef>
+                          <a:spcPts val="0"/>
+                        </a:spcBef>
+                        <a:spcAft>
+                          <a:spcPts val="0"/>
+                        </a:spcAft>
+                        <a:buClrTx/>
+                        <a:buSzTx/>
+                        <a:buFontTx/>
+                        <a:buNone/>
+                        <a:tabLst/>
+                        <a:defRPr/>
+                      </a:pPr>
+                      <a:r>
+                        <a:rPr lang="en-US" sz="900" dirty="0" smtClean="0"/>
+                        <a:t>P(Wagging)=</a:t>
+                      </a:r>
+                      <a:r>
+                        <a:rPr lang="en-US" sz="900" baseline="0" dirty="0" smtClean="0"/>
+                        <a:t> 60%</a:t>
                       </a:r>
                       <a:endParaRPr lang="en-US" sz="900" dirty="0" smtClean="0"/>
                     </a:p>
@@ -6570,7 +7057,46 @@
                     <a:p>
                       <a:r>
                         <a:rPr lang="en-US" sz="900" dirty="0" smtClean="0"/>
-                        <a:t>P(Short)=80%</a:t>
+                        <a:t>P(Short)=</a:t>
+                      </a:r>
+                      <a:r>
+                        <a:rPr lang="en-US" sz="900" baseline="0" dirty="0" smtClean="0"/>
+                        <a:t> </a:t>
+                      </a:r>
+                      <a:r>
+                        <a:rPr lang="en-US" sz="900" dirty="0" smtClean="0"/>
+                        <a:t>80%</a:t>
+                      </a:r>
+                    </a:p>
+                    <a:p>
+                      <a:pPr marL="0" marR="0" indent="0" algn="l" defTabSz="914400" rtl="0" eaLnBrk="1" fontAlgn="auto" latinLnBrk="0" hangingPunct="1">
+                        <a:lnSpc>
+                          <a:spcPct val="100000"/>
+                        </a:lnSpc>
+                        <a:spcBef>
+                          <a:spcPts val="0"/>
+                        </a:spcBef>
+                        <a:spcAft>
+                          <a:spcPts val="0"/>
+                        </a:spcAft>
+                        <a:buClrTx/>
+                        <a:buSzTx/>
+                        <a:buFontTx/>
+                        <a:buNone/>
+                        <a:tabLst/>
+                        <a:defRPr/>
+                      </a:pPr>
+                      <a:r>
+                        <a:rPr lang="en-US" sz="900" dirty="0" smtClean="0"/>
+                        <a:t>P(Long)=</a:t>
+                      </a:r>
+                      <a:r>
+                        <a:rPr lang="en-US" sz="900" baseline="0" dirty="0" smtClean="0"/>
+                        <a:t> 2</a:t>
+                      </a:r>
+                      <a:r>
+                        <a:rPr lang="en-US" sz="900" dirty="0" smtClean="0"/>
+                        <a:t>0%</a:t>
                       </a:r>
                       <a:endParaRPr lang="en-US" sz="900" dirty="0"/>
                     </a:p>
@@ -6584,8 +7110,44 @@
                     <a:p>
                       <a:r>
                         <a:rPr lang="en-US" sz="900" dirty="0" smtClean="0"/>
-                        <a:t>P(Short)= 20%</a:t>
-                      </a:r>
+                        <a:t>P(Short)= 20</a:t>
+                      </a:r>
+                      <a:r>
+                        <a:rPr lang="en-US" sz="900" dirty="0" smtClean="0"/>
+                        <a:t>%</a:t>
+                      </a:r>
+                    </a:p>
+                    <a:p>
+                      <a:pPr marL="0" marR="0" indent="0" algn="l" defTabSz="914400" rtl="0" eaLnBrk="1" fontAlgn="auto" latinLnBrk="0" hangingPunct="1">
+                        <a:lnSpc>
+                          <a:spcPct val="100000"/>
+                        </a:lnSpc>
+                        <a:spcBef>
+                          <a:spcPts val="0"/>
+                        </a:spcBef>
+                        <a:spcAft>
+                          <a:spcPts val="0"/>
+                        </a:spcAft>
+                        <a:buClrTx/>
+                        <a:buSzTx/>
+                        <a:buFontTx/>
+                        <a:buNone/>
+                        <a:tabLst/>
+                        <a:defRPr/>
+                      </a:pPr>
+                      <a:r>
+                        <a:rPr lang="en-US" sz="900" dirty="0" smtClean="0"/>
+                        <a:t>P(Long)=</a:t>
+                      </a:r>
+                      <a:r>
+                        <a:rPr lang="en-US" sz="900" baseline="0" dirty="0" smtClean="0"/>
+                        <a:t> 80</a:t>
+                      </a:r>
+                      <a:r>
+                        <a:rPr lang="en-US" sz="900" dirty="0" smtClean="0"/>
+                        <a:t>%</a:t>
+                      </a:r>
+                      <a:endParaRPr lang="en-US" sz="900" dirty="0" smtClean="0"/>
                     </a:p>
                   </a:txBody>
                   <a:tcPr/>
@@ -6723,6 +7285,129 @@
           </a:p>
         </p:txBody>
       </p:sp>
+      <p:pic>
+        <p:nvPicPr>
+          <p:cNvPr id="1026" name="Picture 2" descr="http://www.texify.com/img/%5CLARGE%5C%21P%28Cat%7CFeatures%29%5Cpropto%20P%28Cat%29%2AP%28Size%7CCat%29%2AP%28Ears%7CCat%29%2AP%28Temperament%7CCat%29%2AP%28Tail%7CCat%29%2AP%28Snout%7CCat%29.gif"/>
+          <p:cNvPicPr>
+            <a:picLocks noChangeAspect="1" noChangeArrowheads="1"/>
+          </p:cNvPicPr>
+          <p:nvPr/>
+        </p:nvPicPr>
+        <p:blipFill>
+          <a:blip r:embed="rId4">
+            <a:extLst>
+              <a:ext uri="{28A0092B-C50C-407E-A947-70E740481C1C}">
+                <a14:useLocalDpi xmlns:a14="http://schemas.microsoft.com/office/drawing/2010/main" val="0"/>
+              </a:ext>
+            </a:extLst>
+          </a:blip>
+          <a:srcRect/>
+          <a:stretch>
+            <a:fillRect/>
+          </a:stretch>
+        </p:blipFill>
+        <p:spPr bwMode="auto">
+          <a:xfrm>
+            <a:off x="155575" y="-136525"/>
+            <a:ext cx="12496800" cy="238125"/>
+          </a:xfrm>
+          <a:prstGeom prst="rect">
+            <a:avLst/>
+          </a:prstGeom>
+          <a:noFill/>
+          <a:extLst>
+            <a:ext uri="{909E8E84-426E-40DD-AFC4-6F175D3DCCD1}">
+              <a14:hiddenFill xmlns:a14="http://schemas.microsoft.com/office/drawing/2010/main">
+                <a:solidFill>
+                  <a:srgbClr val="FFFFFF"/>
+                </a:solidFill>
+              </a14:hiddenFill>
+            </a:ext>
+          </a:extLst>
+        </p:spPr>
+      </p:pic>
+      <p:pic>
+        <p:nvPicPr>
+          <p:cNvPr id="19" name="Picture 8" descr="http://www.texify.com/img/%5Cnormalsize%5C%21P%28Dog%7CFeatures%29%5Cpropto%20P%28Dog%29%2AP%28Size%7CDog%29%2AP%28Ears%7CDog%29%2AP%28Temperament%7CDog%29%2AP%28Tail%7CDog%29%2AP%28Snout%7CDog%29.gif"/>
+          <p:cNvPicPr>
+            <a:picLocks noChangeAspect="1" noChangeArrowheads="1"/>
+          </p:cNvPicPr>
+          <p:nvPr/>
+        </p:nvPicPr>
+        <p:blipFill>
+          <a:blip r:embed="rId5">
+            <a:extLst>
+              <a:ext uri="{28A0092B-C50C-407E-A947-70E740481C1C}">
+                <a14:useLocalDpi xmlns:a14="http://schemas.microsoft.com/office/drawing/2010/main" val="0"/>
+              </a:ext>
+            </a:extLst>
+          </a:blip>
+          <a:srcRect/>
+          <a:stretch>
+            <a:fillRect/>
+          </a:stretch>
+        </p:blipFill>
+        <p:spPr bwMode="auto">
+          <a:xfrm>
+            <a:off x="1014412" y="5410200"/>
+            <a:ext cx="7543800" cy="152400"/>
+          </a:xfrm>
+          <a:prstGeom prst="rect">
+            <a:avLst/>
+          </a:prstGeom>
+          <a:noFill/>
+          <a:extLst>
+            <a:ext uri="{909E8E84-426E-40DD-AFC4-6F175D3DCCD1}">
+              <a14:hiddenFill xmlns:a14="http://schemas.microsoft.com/office/drawing/2010/main">
+                <a:solidFill>
+                  <a:srgbClr val="FFFFFF"/>
+                </a:solidFill>
+              </a14:hiddenFill>
+            </a:ext>
+          </a:extLst>
+        </p:spPr>
+      </p:pic>
+      <p:pic>
+        <p:nvPicPr>
+          <p:cNvPr id="20" name="Picture 11" descr="http://www.texify.com/img/%5Cnormalsize%5C%21P%28Cat%7CFeatures%29%5Cpropto%20P%28Cat%29%2AP%28Size%7CCat%29%2AP%28Ears%7CCat%29%2AP%28Temperament%7CCat%29%2AP%28Tail%7CCat%29%2AP%28Snout%7CCat%29.gif"/>
+          <p:cNvPicPr>
+            <a:picLocks noChangeAspect="1" noChangeArrowheads="1"/>
+          </p:cNvPicPr>
+          <p:nvPr/>
+        </p:nvPicPr>
+        <p:blipFill>
+          <a:blip r:embed="rId6">
+            <a:extLst>
+              <a:ext uri="{28A0092B-C50C-407E-A947-70E740481C1C}">
+                <a14:useLocalDpi xmlns:a14="http://schemas.microsoft.com/office/drawing/2010/main" val="0"/>
+              </a:ext>
+            </a:extLst>
+          </a:blip>
+          <a:srcRect/>
+          <a:stretch>
+            <a:fillRect/>
+          </a:stretch>
+        </p:blipFill>
+        <p:spPr bwMode="auto">
+          <a:xfrm>
+            <a:off x="1014412" y="5029200"/>
+            <a:ext cx="7239000" cy="152400"/>
+          </a:xfrm>
+          <a:prstGeom prst="rect">
+            <a:avLst/>
+          </a:prstGeom>
+          <a:noFill/>
+          <a:extLst>
+            <a:ext uri="{909E8E84-426E-40DD-AFC4-6F175D3DCCD1}">
+              <a14:hiddenFill xmlns:a14="http://schemas.microsoft.com/office/drawing/2010/main">
+                <a:solidFill>
+                  <a:srgbClr val="FFFFFF"/>
+                </a:solidFill>
+              </a14:hiddenFill>
+            </a:ext>
+          </a:extLst>
+        </p:spPr>
+      </p:pic>
     </p:spTree>
     <p:extLst>
       <p:ext uri="{BB962C8B-B14F-4D97-AF65-F5344CB8AC3E}">
@@ -6803,7 +7488,11 @@
           <a:p>
             <a:r>
               <a:rPr lang="en-US" sz="3200" dirty="0" smtClean="0"/>
-              <a:t>Overview of Classification Problems: Definition</a:t>
+              <a:t>Overview of Classification Problems: </a:t>
+            </a:r>
+            <a:r>
+              <a:rPr lang="en-US" sz="3200" dirty="0" smtClean="0"/>
+              <a:t>Definition</a:t>
             </a:r>
             <a:endParaRPr lang="en-US" sz="3200" dirty="0"/>
           </a:p>
@@ -6832,7 +7521,7 @@
         </p:blipFill>
         <p:spPr bwMode="auto">
           <a:xfrm>
-            <a:off x="1258697" y="1748724"/>
+            <a:off x="1054321" y="2152860"/>
             <a:ext cx="901665" cy="971855"/>
           </a:xfrm>
           <a:prstGeom prst="rect">
@@ -6858,7 +7547,7 @@
         </p:nvSpPr>
         <p:spPr>
           <a:xfrm>
-            <a:off x="757029" y="3076390"/>
+            <a:off x="552653" y="3861526"/>
             <a:ext cx="1905000" cy="369332"/>
           </a:xfrm>
           <a:prstGeom prst="rect">
@@ -6888,7 +7577,7 @@
         </p:nvCxnSpPr>
         <p:spPr>
           <a:xfrm flipV="1">
-            <a:off x="2440164" y="2110541"/>
+            <a:off x="1981200" y="2514677"/>
             <a:ext cx="507412" cy="2"/>
           </a:xfrm>
           <a:prstGeom prst="straightConnector1">
@@ -6921,7 +7610,7 @@
         </p:nvSpPr>
         <p:spPr>
           <a:xfrm>
-            <a:off x="6876846" y="3050750"/>
+            <a:off x="7239000" y="3785326"/>
             <a:ext cx="1905000" cy="369332"/>
           </a:xfrm>
           <a:prstGeom prst="rect">
@@ -6966,7 +7655,7 @@
         </p:blipFill>
         <p:spPr bwMode="auto">
           <a:xfrm>
-            <a:off x="7010400" y="1518486"/>
+            <a:off x="7180397" y="1792458"/>
             <a:ext cx="1735003" cy="1208719"/>
           </a:xfrm>
           <a:prstGeom prst="rect">
@@ -7015,7 +7704,7 @@
         </p:nvCxnSpPr>
         <p:spPr>
           <a:xfrm flipV="1">
-            <a:off x="6230803" y="2053524"/>
+            <a:off x="6579188" y="2457660"/>
             <a:ext cx="507412" cy="2"/>
           </a:xfrm>
           <a:prstGeom prst="straightConnector1">
@@ -7048,7 +7737,7 @@
         </p:nvSpPr>
         <p:spPr>
           <a:xfrm>
-            <a:off x="3810000" y="3055792"/>
+            <a:off x="3810000" y="3861526"/>
             <a:ext cx="1905000" cy="369332"/>
           </a:xfrm>
           <a:prstGeom prst="rect">
@@ -7072,21 +7761,21 @@
       </p:sp>
       <p:graphicFrame>
         <p:nvGraphicFramePr>
-          <p:cNvPr id="21" name="Table 20"/>
+          <p:cNvPr id="11" name="Table 10"/>
           <p:cNvGraphicFramePr>
             <a:graphicFrameLocks noGrp="1"/>
           </p:cNvGraphicFramePr>
           <p:nvPr>
             <p:extLst>
               <p:ext uri="{D42A27DB-BD31-4B8C-83A1-F6EECF244321}">
-                <p14:modId xmlns:p14="http://schemas.microsoft.com/office/powerpoint/2010/main" val="315930143"/>
+                <p14:modId xmlns:p14="http://schemas.microsoft.com/office/powerpoint/2010/main" val="3002665793"/>
               </p:ext>
             </p:extLst>
           </p:nvPr>
         </p:nvGraphicFramePr>
         <p:xfrm>
-          <a:off x="2456729" y="3886200"/>
-          <a:ext cx="3925959" cy="2067948"/>
+          <a:off x="2590800" y="1524000"/>
+          <a:ext cx="3925959" cy="2173458"/>
         </p:xfrm>
         <a:graphic>
           <a:graphicData uri="http://schemas.openxmlformats.org/drawingml/2006/table">
@@ -7164,12 +7853,34 @@
                     <a:lstStyle/>
                     <a:p>
                       <a:r>
-                        <a:rPr lang="en-US" sz="900" dirty="0" smtClean="0"/>
-                        <a:t>P(Small)=</a:t>
-                      </a:r>
+                        <a:rPr lang="en-US" sz="900" b="1" u="sng" dirty="0" smtClean="0">
+                          <a:solidFill>
+                            <a:srgbClr val="FF0000"/>
+                          </a:solidFill>
+                        </a:rPr>
+                        <a:t>P(Small</a:t>
+                      </a:r>
+                      <a:r>
+                        <a:rPr lang="en-US" sz="900" b="1" u="sng" dirty="0" smtClean="0">
+                          <a:solidFill>
+                            <a:srgbClr val="FF0000"/>
+                          </a:solidFill>
+                        </a:rPr>
+                        <a:t>)=</a:t>
+                      </a:r>
+                      <a:r>
+                        <a:rPr lang="en-US" sz="900" b="1" u="sng" baseline="0" dirty="0" smtClean="0">
+                          <a:solidFill>
+                            <a:srgbClr val="FF0000"/>
+                          </a:solidFill>
+                        </a:rPr>
+                        <a:t> 80%</a:t>
+                      </a:r>
+                    </a:p>
+                    <a:p>
                       <a:r>
                         <a:rPr lang="en-US" sz="900" baseline="0" dirty="0" smtClean="0"/>
-                        <a:t> 80%</a:t>
+                        <a:t>P(Large)= 20%</a:t>
                       </a:r>
                       <a:endParaRPr lang="en-US" sz="900" dirty="0"/>
                     </a:p>
@@ -7182,8 +7893,30 @@
                     <a:lstStyle/>
                     <a:p>
                       <a:r>
+                        <a:rPr lang="en-US" sz="900" b="1" u="sng" dirty="0" smtClean="0">
+                          <a:solidFill>
+                            <a:srgbClr val="FF0000"/>
+                          </a:solidFill>
+                        </a:rPr>
+                        <a:t>P(Small)= 30</a:t>
+                      </a:r>
+                      <a:r>
+                        <a:rPr lang="en-US" sz="900" b="1" u="sng" dirty="0" smtClean="0">
+                          <a:solidFill>
+                            <a:srgbClr val="FF0000"/>
+                          </a:solidFill>
+                        </a:rPr>
+                        <a:t>%</a:t>
+                      </a:r>
+                    </a:p>
+                    <a:p>
+                      <a:r>
                         <a:rPr lang="en-US" sz="900" dirty="0" smtClean="0"/>
-                        <a:t>P(Small)= 30%</a:t>
+                        <a:t>P(Large)=</a:t>
+                      </a:r>
+                      <a:r>
+                        <a:rPr lang="en-US" sz="900" baseline="0" dirty="0" smtClean="0"/>
+                        <a:t> 70%</a:t>
                       </a:r>
                       <a:endParaRPr lang="en-US" sz="900" dirty="0"/>
                     </a:p>
@@ -7213,9 +7946,31 @@
                     <a:p>
                       <a:r>
                         <a:rPr lang="en-US" sz="900" dirty="0" smtClean="0"/>
-                        <a:t>P(Pointed)=90%</a:t>
-                      </a:r>
-                      <a:endParaRPr lang="en-US" sz="900" dirty="0"/>
+                        <a:t>P(Pointed)=</a:t>
+                      </a:r>
+                      <a:r>
+                        <a:rPr lang="en-US" sz="900" baseline="0" dirty="0" smtClean="0"/>
+                        <a:t> </a:t>
+                      </a:r>
+                      <a:r>
+                        <a:rPr lang="en-US" sz="900" dirty="0" smtClean="0"/>
+                        <a:t>90%</a:t>
+                      </a:r>
+                    </a:p>
+                    <a:p>
+                      <a:r>
+                        <a:rPr lang="en-US" sz="900" b="1" u="sng" dirty="0" smtClean="0">
+                          <a:solidFill>
+                            <a:srgbClr val="FF0000"/>
+                          </a:solidFill>
+                        </a:rPr>
+                        <a:t>P(Floppy)= 10%</a:t>
+                      </a:r>
+                      <a:endParaRPr lang="en-US" sz="900" b="1" u="sng" dirty="0">
+                        <a:solidFill>
+                          <a:srgbClr val="FF0000"/>
+                        </a:solidFill>
+                      </a:endParaRPr>
                     </a:p>
                   </a:txBody>
                   <a:tcPr/>
@@ -7231,9 +7986,60 @@
                       </a:r>
                       <a:r>
                         <a:rPr lang="en-US" sz="900" baseline="0" dirty="0" smtClean="0"/>
-                        <a:t> 10%</a:t>
-                      </a:r>
-                      <a:endParaRPr lang="en-US" sz="900" dirty="0"/>
+                        <a:t> 10</a:t>
+                      </a:r>
+                      <a:r>
+                        <a:rPr lang="en-US" sz="900" baseline="0" dirty="0" smtClean="0"/>
+                        <a:t>%</a:t>
+                      </a:r>
+                    </a:p>
+                    <a:p>
+                      <a:pPr marL="0" marR="0" indent="0" algn="l" defTabSz="914400" rtl="0" eaLnBrk="1" fontAlgn="auto" latinLnBrk="0" hangingPunct="1">
+                        <a:lnSpc>
+                          <a:spcPct val="100000"/>
+                        </a:lnSpc>
+                        <a:spcBef>
+                          <a:spcPts val="0"/>
+                        </a:spcBef>
+                        <a:spcAft>
+                          <a:spcPts val="0"/>
+                        </a:spcAft>
+                        <a:buClrTx/>
+                        <a:buSzTx/>
+                        <a:buFontTx/>
+                        <a:buNone/>
+                        <a:tabLst/>
+                        <a:defRPr/>
+                      </a:pPr>
+                      <a:r>
+                        <a:rPr lang="en-US" sz="900" b="1" u="sng" dirty="0" smtClean="0">
+                          <a:solidFill>
+                            <a:srgbClr val="FF0000"/>
+                          </a:solidFill>
+                        </a:rPr>
+                        <a:t>P(Floppy)=</a:t>
+                      </a:r>
+                      <a:r>
+                        <a:rPr lang="en-US" sz="900" b="1" u="sng" baseline="0" dirty="0" smtClean="0">
+                          <a:solidFill>
+                            <a:srgbClr val="FF0000"/>
+                          </a:solidFill>
+                        </a:rPr>
+                        <a:t> 9</a:t>
+                      </a:r>
+                      <a:r>
+                        <a:rPr lang="en-US" sz="900" b="1" u="sng" dirty="0" smtClean="0">
+                          <a:solidFill>
+                            <a:srgbClr val="FF0000"/>
+                          </a:solidFill>
+                        </a:rPr>
+                        <a:t>0%</a:t>
+                      </a:r>
+                      <a:endParaRPr lang="en-US" sz="900" b="1" u="sng" dirty="0">
+                        <a:solidFill>
+                          <a:srgbClr val="FF0000"/>
+                        </a:solidFill>
+                      </a:endParaRPr>
                     </a:p>
                   </a:txBody>
                   <a:tcPr/>
@@ -7261,9 +8067,35 @@
                     <a:p>
                       <a:r>
                         <a:rPr lang="en-US" sz="900" dirty="0" smtClean="0"/>
-                        <a:t>P(Aloof)=60%</a:t>
-                      </a:r>
-                      <a:endParaRPr lang="en-US" sz="900" dirty="0"/>
+                        <a:t>P(Aloof</a:t>
+                      </a:r>
+                      <a:r>
+                        <a:rPr lang="en-US" sz="900" dirty="0" smtClean="0"/>
+                        <a:t>)= 60%</a:t>
+                      </a:r>
+                    </a:p>
+                    <a:p>
+                      <a:r>
+                        <a:rPr lang="en-US" sz="900" b="1" u="sng" dirty="0" smtClean="0">
+                          <a:solidFill>
+                            <a:srgbClr val="FF0000"/>
+                          </a:solidFill>
+                        </a:rPr>
+                        <a:t>P(Loving)=</a:t>
+                      </a:r>
+                      <a:r>
+                        <a:rPr lang="en-US" sz="900" b="1" u="sng" baseline="0" dirty="0" smtClean="0">
+                          <a:solidFill>
+                            <a:srgbClr val="FF0000"/>
+                          </a:solidFill>
+                        </a:rPr>
+                        <a:t> 40%</a:t>
+                      </a:r>
+                      <a:endParaRPr lang="en-US" sz="900" b="1" u="sng" dirty="0">
+                        <a:solidFill>
+                          <a:srgbClr val="FF0000"/>
+                        </a:solidFill>
+                      </a:endParaRPr>
                     </a:p>
                   </a:txBody>
                   <a:tcPr/>
@@ -7279,9 +8111,52 @@
                       </a:r>
                       <a:r>
                         <a:rPr lang="en-US" sz="900" baseline="0" dirty="0" smtClean="0"/>
-                        <a:t> 10%</a:t>
-                      </a:r>
-                      <a:endParaRPr lang="en-US" sz="900" dirty="0"/>
+                        <a:t> 10</a:t>
+                      </a:r>
+                      <a:r>
+                        <a:rPr lang="en-US" sz="900" baseline="0" dirty="0" smtClean="0"/>
+                        <a:t>%</a:t>
+                      </a:r>
+                    </a:p>
+                    <a:p>
+                      <a:pPr marL="0" marR="0" indent="0" algn="l" defTabSz="914400" rtl="0" eaLnBrk="1" fontAlgn="auto" latinLnBrk="0" hangingPunct="1">
+                        <a:lnSpc>
+                          <a:spcPct val="100000"/>
+                        </a:lnSpc>
+                        <a:spcBef>
+                          <a:spcPts val="0"/>
+                        </a:spcBef>
+                        <a:spcAft>
+                          <a:spcPts val="0"/>
+                        </a:spcAft>
+                        <a:buClrTx/>
+                        <a:buSzTx/>
+                        <a:buFontTx/>
+                        <a:buNone/>
+                        <a:tabLst/>
+                        <a:defRPr/>
+                      </a:pPr>
+                      <a:r>
+                        <a:rPr lang="en-US" sz="900" b="1" u="sng" dirty="0" smtClean="0">
+                          <a:solidFill>
+                            <a:srgbClr val="FF0000"/>
+                          </a:solidFill>
+                        </a:rPr>
+                        <a:t>P(Loving)=</a:t>
+                      </a:r>
+                      <a:r>
+                        <a:rPr lang="en-US" sz="900" b="1" u="sng" baseline="0" dirty="0" smtClean="0">
+                          <a:solidFill>
+                            <a:srgbClr val="FF0000"/>
+                          </a:solidFill>
+                        </a:rPr>
+                        <a:t> 90%</a:t>
+                      </a:r>
+                      <a:endParaRPr lang="en-US" sz="900" b="1" u="sng" dirty="0">
+                        <a:solidFill>
+                          <a:srgbClr val="FF0000"/>
+                        </a:solidFill>
+                      </a:endParaRPr>
                     </a:p>
                   </a:txBody>
                   <a:tcPr/>
@@ -7309,9 +8184,52 @@
                     <a:p>
                       <a:r>
                         <a:rPr lang="en-US" sz="900" dirty="0" smtClean="0"/>
-                        <a:t>P(Erect)=75%</a:t>
-                      </a:r>
-                      <a:endParaRPr lang="en-US" sz="900" dirty="0"/>
+                        <a:t>P(Erect)=75</a:t>
+                      </a:r>
+                      <a:r>
+                        <a:rPr lang="en-US" sz="900" dirty="0" smtClean="0"/>
+                        <a:t>%</a:t>
+                      </a:r>
+                    </a:p>
+                    <a:p>
+                      <a:pPr marL="0" marR="0" indent="0" algn="l" defTabSz="914400" rtl="0" eaLnBrk="1" fontAlgn="auto" latinLnBrk="0" hangingPunct="1">
+                        <a:lnSpc>
+                          <a:spcPct val="100000"/>
+                        </a:lnSpc>
+                        <a:spcBef>
+                          <a:spcPts val="0"/>
+                        </a:spcBef>
+                        <a:spcAft>
+                          <a:spcPts val="0"/>
+                        </a:spcAft>
+                        <a:buClrTx/>
+                        <a:buSzTx/>
+                        <a:buFontTx/>
+                        <a:buNone/>
+                        <a:tabLst/>
+                        <a:defRPr/>
+                      </a:pPr>
+                      <a:r>
+                        <a:rPr lang="en-US" sz="900" b="1" u="sng" dirty="0" smtClean="0">
+                          <a:solidFill>
+                            <a:srgbClr val="FF0000"/>
+                          </a:solidFill>
+                        </a:rPr>
+                        <a:t>P(Wagging)=</a:t>
+                      </a:r>
+                      <a:r>
+                        <a:rPr lang="en-US" sz="900" b="1" u="sng" baseline="0" dirty="0" smtClean="0">
+                          <a:solidFill>
+                            <a:srgbClr val="FF0000"/>
+                          </a:solidFill>
+                        </a:rPr>
+                        <a:t> 25%</a:t>
+                      </a:r>
+                      <a:endParaRPr lang="en-US" sz="900" b="1" u="sng" dirty="0">
+                        <a:solidFill>
+                          <a:srgbClr val="FF0000"/>
+                        </a:solidFill>
+                      </a:endParaRPr>
                     </a:p>
                   </a:txBody>
                   <a:tcPr/>
@@ -7327,9 +8245,52 @@
                       </a:r>
                       <a:r>
                         <a:rPr lang="en-US" sz="900" baseline="0" dirty="0" smtClean="0"/>
-                        <a:t> 40%</a:t>
-                      </a:r>
-                      <a:endParaRPr lang="en-US" sz="900" dirty="0" smtClean="0"/>
+                        <a:t> 40</a:t>
+                      </a:r>
+                      <a:r>
+                        <a:rPr lang="en-US" sz="900" baseline="0" dirty="0" smtClean="0"/>
+                        <a:t>%</a:t>
+                      </a:r>
+                    </a:p>
+                    <a:p>
+                      <a:pPr marL="0" marR="0" indent="0" algn="l" defTabSz="914400" rtl="0" eaLnBrk="1" fontAlgn="auto" latinLnBrk="0" hangingPunct="1">
+                        <a:lnSpc>
+                          <a:spcPct val="100000"/>
+                        </a:lnSpc>
+                        <a:spcBef>
+                          <a:spcPts val="0"/>
+                        </a:spcBef>
+                        <a:spcAft>
+                          <a:spcPts val="0"/>
+                        </a:spcAft>
+                        <a:buClrTx/>
+                        <a:buSzTx/>
+                        <a:buFontTx/>
+                        <a:buNone/>
+                        <a:tabLst/>
+                        <a:defRPr/>
+                      </a:pPr>
+                      <a:r>
+                        <a:rPr lang="en-US" sz="900" b="1" u="sng" dirty="0" smtClean="0">
+                          <a:solidFill>
+                            <a:srgbClr val="FF0000"/>
+                          </a:solidFill>
+                        </a:rPr>
+                        <a:t>P(Wagging)=</a:t>
+                      </a:r>
+                      <a:r>
+                        <a:rPr lang="en-US" sz="900" b="1" u="sng" baseline="0" dirty="0" smtClean="0">
+                          <a:solidFill>
+                            <a:srgbClr val="FF0000"/>
+                          </a:solidFill>
+                        </a:rPr>
+                        <a:t> 60%</a:t>
+                      </a:r>
+                      <a:endParaRPr lang="en-US" sz="900" b="1" u="sng" dirty="0" smtClean="0">
+                        <a:solidFill>
+                          <a:srgbClr val="FF0000"/>
+                        </a:solidFill>
+                      </a:endParaRPr>
                     </a:p>
                   </a:txBody>
                   <a:tcPr/>
@@ -7357,9 +8318,64 @@
                     <a:p>
                       <a:r>
                         <a:rPr lang="en-US" sz="900" dirty="0" smtClean="0"/>
-                        <a:t>P(Short)=80%</a:t>
-                      </a:r>
-                      <a:endParaRPr lang="en-US" sz="900" dirty="0"/>
+                        <a:t>P(Short)=</a:t>
+                      </a:r>
+                      <a:r>
+                        <a:rPr lang="en-US" sz="900" baseline="0" dirty="0" smtClean="0"/>
+                        <a:t> </a:t>
+                      </a:r>
+                      <a:r>
+                        <a:rPr lang="en-US" sz="900" dirty="0" smtClean="0"/>
+                        <a:t>80%</a:t>
+                      </a:r>
+                    </a:p>
+                    <a:p>
+                      <a:pPr marL="0" marR="0" indent="0" algn="l" defTabSz="914400" rtl="0" eaLnBrk="1" fontAlgn="auto" latinLnBrk="0" hangingPunct="1">
+                        <a:lnSpc>
+                          <a:spcPct val="100000"/>
+                        </a:lnSpc>
+                        <a:spcBef>
+                          <a:spcPts val="0"/>
+                        </a:spcBef>
+                        <a:spcAft>
+                          <a:spcPts val="0"/>
+                        </a:spcAft>
+                        <a:buClrTx/>
+                        <a:buSzTx/>
+                        <a:buFontTx/>
+                        <a:buNone/>
+                        <a:tabLst/>
+                        <a:defRPr/>
+                      </a:pPr>
+                      <a:r>
+                        <a:rPr lang="en-US" sz="900" b="1" u="sng" dirty="0" smtClean="0">
+                          <a:solidFill>
+                            <a:srgbClr val="FF0000"/>
+                          </a:solidFill>
+                        </a:rPr>
+                        <a:t>P(Long)=</a:t>
+                      </a:r>
+                      <a:r>
+                        <a:rPr lang="en-US" sz="900" b="1" u="sng" baseline="0" dirty="0" smtClean="0">
+                          <a:solidFill>
+                            <a:srgbClr val="FF0000"/>
+                          </a:solidFill>
+                        </a:rPr>
+                        <a:t> 2</a:t>
+                      </a:r>
+                      <a:r>
+                        <a:rPr lang="en-US" sz="900" b="1" u="sng" dirty="0" smtClean="0">
+                          <a:solidFill>
+                            <a:srgbClr val="FF0000"/>
+                          </a:solidFill>
+                        </a:rPr>
+                        <a:t>0%</a:t>
+                      </a:r>
+                      <a:endParaRPr lang="en-US" sz="900" b="1" u="sng" dirty="0">
+                        <a:solidFill>
+                          <a:srgbClr val="FF0000"/>
+                        </a:solidFill>
+                      </a:endParaRPr>
                     </a:p>
                   </a:txBody>
                   <a:tcPr/>
@@ -7371,8 +8387,60 @@
                     <a:p>
                       <a:r>
                         <a:rPr lang="en-US" sz="900" dirty="0" smtClean="0"/>
-                        <a:t>P(Short)= 20%</a:t>
-                      </a:r>
+                        <a:t>P(Short)= 20</a:t>
+                      </a:r>
+                      <a:r>
+                        <a:rPr lang="en-US" sz="900" dirty="0" smtClean="0"/>
+                        <a:t>%</a:t>
+                      </a:r>
+                    </a:p>
+                    <a:p>
+                      <a:pPr marL="0" marR="0" indent="0" algn="l" defTabSz="914400" rtl="0" eaLnBrk="1" fontAlgn="auto" latinLnBrk="0" hangingPunct="1">
+                        <a:lnSpc>
+                          <a:spcPct val="100000"/>
+                        </a:lnSpc>
+                        <a:spcBef>
+                          <a:spcPts val="0"/>
+                        </a:spcBef>
+                        <a:spcAft>
+                          <a:spcPts val="0"/>
+                        </a:spcAft>
+                        <a:buClrTx/>
+                        <a:buSzTx/>
+                        <a:buFontTx/>
+                        <a:buNone/>
+                        <a:tabLst/>
+                        <a:defRPr/>
+                      </a:pPr>
+                      <a:r>
+                        <a:rPr lang="en-US" sz="900" b="1" u="sng" dirty="0" smtClean="0">
+                          <a:solidFill>
+                            <a:srgbClr val="FF0000"/>
+                          </a:solidFill>
+                        </a:rPr>
+                        <a:t>P(Long)=</a:t>
+                      </a:r>
+                      <a:r>
+                        <a:rPr lang="en-US" sz="900" b="1" u="sng" baseline="0" dirty="0" smtClean="0">
+                          <a:solidFill>
+                            <a:srgbClr val="FF0000"/>
+                          </a:solidFill>
+                        </a:rPr>
+                        <a:t> 80</a:t>
+                      </a:r>
+                      <a:r>
+                        <a:rPr lang="en-US" sz="900" b="1" u="sng" dirty="0" smtClean="0">
+                          <a:solidFill>
+                            <a:srgbClr val="FF0000"/>
+                          </a:solidFill>
+                        </a:rPr>
+                        <a:t>%</a:t>
+                      </a:r>
+                      <a:endParaRPr lang="en-US" sz="900" b="1" u="sng" dirty="0" smtClean="0">
+                        <a:solidFill>
+                          <a:srgbClr val="FF0000"/>
+                        </a:solidFill>
+                      </a:endParaRPr>
                     </a:p>
                   </a:txBody>
                   <a:tcPr/>
@@ -7382,6 +8450,249 @@
           </a:graphicData>
         </a:graphic>
       </p:graphicFrame>
+      <p:pic>
+        <p:nvPicPr>
+          <p:cNvPr id="2056" name="Picture 8" descr="http://www.texify.com/img/%5Cnormalsize%5C%21P%28Dog%7CFeatures%29%5Cpropto%20P%28Dog%29%2AP%28Size%7CDog%29%2AP%28Ears%7CDog%29%2AP%28Temperament%7CDog%29%2AP%28Tail%7CDog%29%2AP%28Snout%7CDog%29.gif"/>
+          <p:cNvPicPr>
+            <a:picLocks noChangeAspect="1" noChangeArrowheads="1"/>
+          </p:cNvPicPr>
+          <p:nvPr/>
+        </p:nvPicPr>
+        <p:blipFill>
+          <a:blip r:embed="rId4">
+            <a:extLst>
+              <a:ext uri="{28A0092B-C50C-407E-A947-70E740481C1C}">
+                <a14:useLocalDpi xmlns:a14="http://schemas.microsoft.com/office/drawing/2010/main" val="0"/>
+              </a:ext>
+            </a:extLst>
+          </a:blip>
+          <a:srcRect/>
+          <a:stretch>
+            <a:fillRect/>
+          </a:stretch>
+        </p:blipFill>
+        <p:spPr bwMode="auto">
+          <a:xfrm>
+            <a:off x="1014412" y="5410200"/>
+            <a:ext cx="7543800" cy="152400"/>
+          </a:xfrm>
+          <a:prstGeom prst="rect">
+            <a:avLst/>
+          </a:prstGeom>
+          <a:noFill/>
+          <a:extLst>
+            <a:ext uri="{909E8E84-426E-40DD-AFC4-6F175D3DCCD1}">
+              <a14:hiddenFill xmlns:a14="http://schemas.microsoft.com/office/drawing/2010/main">
+                <a:solidFill>
+                  <a:srgbClr val="FFFFFF"/>
+                </a:solidFill>
+              </a14:hiddenFill>
+            </a:ext>
+          </a:extLst>
+        </p:spPr>
+      </p:pic>
+      <p:pic>
+        <p:nvPicPr>
+          <p:cNvPr id="2059" name="Picture 11" descr="http://www.texify.com/img/%5Cnormalsize%5C%21P%28Cat%7CFeatures%29%5Cpropto%20P%28Cat%29%2AP%28Size%7CCat%29%2AP%28Ears%7CCat%29%2AP%28Temperament%7CCat%29%2AP%28Tail%7CCat%29%2AP%28Snout%7CCat%29.gif"/>
+          <p:cNvPicPr>
+            <a:picLocks noChangeAspect="1" noChangeArrowheads="1"/>
+          </p:cNvPicPr>
+          <p:nvPr/>
+        </p:nvPicPr>
+        <p:blipFill>
+          <a:blip r:embed="rId5">
+            <a:extLst>
+              <a:ext uri="{28A0092B-C50C-407E-A947-70E740481C1C}">
+                <a14:useLocalDpi xmlns:a14="http://schemas.microsoft.com/office/drawing/2010/main" val="0"/>
+              </a:ext>
+            </a:extLst>
+          </a:blip>
+          <a:srcRect/>
+          <a:stretch>
+            <a:fillRect/>
+          </a:stretch>
+        </p:blipFill>
+        <p:spPr bwMode="auto">
+          <a:xfrm>
+            <a:off x="1014412" y="4724400"/>
+            <a:ext cx="7239000" cy="152400"/>
+          </a:xfrm>
+          <a:prstGeom prst="rect">
+            <a:avLst/>
+          </a:prstGeom>
+          <a:noFill/>
+          <a:extLst>
+            <a:ext uri="{909E8E84-426E-40DD-AFC4-6F175D3DCCD1}">
+              <a14:hiddenFill xmlns:a14="http://schemas.microsoft.com/office/drawing/2010/main">
+                <a:solidFill>
+                  <a:srgbClr val="FFFFFF"/>
+                </a:solidFill>
+              </a14:hiddenFill>
+            </a:ext>
+          </a:extLst>
+        </p:spPr>
+      </p:pic>
+      <p:pic>
+        <p:nvPicPr>
+          <p:cNvPr id="2067" name="Picture 19" descr="http://www.texify.com/img/%5Cnormalsize%5C%21P%28Dog%7CFeatures%29%20%5Cgeq%20%20P%28Cat%7CFeatures%29%5CRightarrow.gif"/>
+          <p:cNvPicPr>
+            <a:picLocks noChangeAspect="1" noChangeArrowheads="1"/>
+          </p:cNvPicPr>
+          <p:nvPr/>
+        </p:nvPicPr>
+        <p:blipFill>
+          <a:blip r:embed="rId6">
+            <a:extLst>
+              <a:ext uri="{28A0092B-C50C-407E-A947-70E740481C1C}">
+                <a14:useLocalDpi xmlns:a14="http://schemas.microsoft.com/office/drawing/2010/main" val="0"/>
+              </a:ext>
+            </a:extLst>
+          </a:blip>
+          <a:srcRect/>
+          <a:stretch>
+            <a:fillRect/>
+          </a:stretch>
+        </p:blipFill>
+        <p:spPr bwMode="auto">
+          <a:xfrm>
+            <a:off x="1014412" y="6172200"/>
+            <a:ext cx="2743200" cy="161925"/>
+          </a:xfrm>
+          <a:prstGeom prst="rect">
+            <a:avLst/>
+          </a:prstGeom>
+          <a:noFill/>
+          <a:extLst>
+            <a:ext uri="{909E8E84-426E-40DD-AFC4-6F175D3DCCD1}">
+              <a14:hiddenFill xmlns:a14="http://schemas.microsoft.com/office/drawing/2010/main">
+                <a:solidFill>
+                  <a:srgbClr val="FFFFFF"/>
+                </a:solidFill>
+              </a14:hiddenFill>
+            </a:ext>
+          </a:extLst>
+        </p:spPr>
+      </p:pic>
+      <p:sp>
+        <p:nvSpPr>
+          <p:cNvPr id="13" name="TextBox 12"/>
+          <p:cNvSpPr txBox="1"/>
+          <p:nvPr/>
+        </p:nvSpPr>
+        <p:spPr>
+          <a:xfrm>
+            <a:off x="3810000" y="6096000"/>
+            <a:ext cx="3429000" cy="276999"/>
+          </a:xfrm>
+          <a:prstGeom prst="rect">
+            <a:avLst/>
+          </a:prstGeom>
+          <a:noFill/>
+        </p:spPr>
+        <p:txBody>
+          <a:bodyPr wrap="square" rtlCol="0">
+            <a:spAutoFit/>
+          </a:bodyPr>
+          <a:lstStyle/>
+          <a:p>
+            <a:r>
+              <a:rPr lang="en-US" sz="1200" b="1" u="sng" dirty="0" smtClean="0">
+                <a:solidFill>
+                  <a:srgbClr val="FF0000"/>
+                </a:solidFill>
+              </a:rPr>
+              <a:t>New Observation is a Dog</a:t>
+            </a:r>
+            <a:endParaRPr lang="en-US" sz="1200" b="1" u="sng" dirty="0">
+              <a:solidFill>
+                <a:srgbClr val="FF0000"/>
+              </a:solidFill>
+            </a:endParaRPr>
+          </a:p>
+        </p:txBody>
+      </p:sp>
+      <p:pic>
+        <p:nvPicPr>
+          <p:cNvPr id="2069" name="Picture 21" descr="http://www.texify.com/img/%5Cnormalsize%5C%21%3D.5%2A.8%2A.1%2A.4%2A.25%2A.2%3D.0008.gif"/>
+          <p:cNvPicPr>
+            <a:picLocks noChangeAspect="1" noChangeArrowheads="1"/>
+          </p:cNvPicPr>
+          <p:nvPr/>
+        </p:nvPicPr>
+        <p:blipFill>
+          <a:blip r:embed="rId7">
+            <a:extLst>
+              <a:ext uri="{28A0092B-C50C-407E-A947-70E740481C1C}">
+                <a14:useLocalDpi xmlns:a14="http://schemas.microsoft.com/office/drawing/2010/main" val="0"/>
+              </a:ext>
+            </a:extLst>
+          </a:blip>
+          <a:srcRect/>
+          <a:stretch>
+            <a:fillRect/>
+          </a:stretch>
+        </p:blipFill>
+        <p:spPr bwMode="auto">
+          <a:xfrm>
+            <a:off x="2386012" y="5029200"/>
+            <a:ext cx="1752600" cy="114300"/>
+          </a:xfrm>
+          <a:prstGeom prst="rect">
+            <a:avLst/>
+          </a:prstGeom>
+          <a:noFill/>
+          <a:extLst>
+            <a:ext uri="{909E8E84-426E-40DD-AFC4-6F175D3DCCD1}">
+              <a14:hiddenFill xmlns:a14="http://schemas.microsoft.com/office/drawing/2010/main">
+                <a:solidFill>
+                  <a:srgbClr val="FFFFFF"/>
+                </a:solidFill>
+              </a14:hiddenFill>
+            </a:ext>
+          </a:extLst>
+        </p:spPr>
+      </p:pic>
+      <p:pic>
+        <p:nvPicPr>
+          <p:cNvPr id="2071" name="Picture 23" descr="http://www.texify.com/img/%5Cnormalsize%5C%21%3D.5%2A.3%2A.9%2A.9%2A.6%2A.8%3D.05832.gif"/>
+          <p:cNvPicPr>
+            <a:picLocks noChangeAspect="1" noChangeArrowheads="1"/>
+          </p:cNvPicPr>
+          <p:nvPr/>
+        </p:nvPicPr>
+        <p:blipFill>
+          <a:blip r:embed="rId8">
+            <a:extLst>
+              <a:ext uri="{28A0092B-C50C-407E-A947-70E740481C1C}">
+                <a14:useLocalDpi xmlns:a14="http://schemas.microsoft.com/office/drawing/2010/main" val="0"/>
+              </a:ext>
+            </a:extLst>
+          </a:blip>
+          <a:srcRect/>
+          <a:stretch>
+            <a:fillRect/>
+          </a:stretch>
+        </p:blipFill>
+        <p:spPr bwMode="auto">
+          <a:xfrm>
+            <a:off x="2366134" y="5791200"/>
+            <a:ext cx="1752600" cy="114300"/>
+          </a:xfrm>
+          <a:prstGeom prst="rect">
+            <a:avLst/>
+          </a:prstGeom>
+          <a:noFill/>
+          <a:extLst>
+            <a:ext uri="{909E8E84-426E-40DD-AFC4-6F175D3DCCD1}">
+              <a14:hiddenFill xmlns:a14="http://schemas.microsoft.com/office/drawing/2010/main">
+                <a:solidFill>
+                  <a:srgbClr val="FFFFFF"/>
+                </a:solidFill>
+              </a14:hiddenFill>
+            </a:ext>
+          </a:extLst>
+        </p:spPr>
+      </p:pic>
     </p:spTree>
     <p:extLst>
       <p:ext uri="{BB962C8B-B14F-4D97-AF65-F5344CB8AC3E}">
@@ -7752,6 +9063,154 @@
       </p:grpSpPr>
       <p:sp>
         <p:nvSpPr>
+          <p:cNvPr id="3" name="Content Placeholder 2"/>
+          <p:cNvSpPr>
+            <a:spLocks noGrp="1"/>
+          </p:cNvSpPr>
+          <p:nvPr>
+            <p:ph idx="1"/>
+          </p:nvPr>
+        </p:nvSpPr>
+        <p:spPr/>
+        <p:txBody>
+          <a:bodyPr/>
+          <a:lstStyle/>
+          <a:p>
+            <a:pPr marL="0" indent="0">
+              <a:buNone/>
+            </a:pPr>
+            <a:r>
+              <a:rPr lang="en-US" dirty="0" smtClean="0"/>
+              <a:t>Orange supports the following classifiers:</a:t>
+            </a:r>
+          </a:p>
+          <a:p>
+            <a:pPr marL="514350" indent="-514350">
+              <a:buAutoNum type="arabicPeriod"/>
+            </a:pPr>
+            <a:r>
+              <a:rPr lang="en-US" dirty="0" smtClean="0"/>
+              <a:t>Naïve Bayes</a:t>
+            </a:r>
+          </a:p>
+          <a:p>
+            <a:pPr marL="514350" indent="-514350">
+              <a:buAutoNum type="arabicPeriod"/>
+            </a:pPr>
+            <a:r>
+              <a:rPr lang="en-US" dirty="0" smtClean="0"/>
+              <a:t>Support vector machines</a:t>
+            </a:r>
+          </a:p>
+          <a:p>
+            <a:pPr marL="514350" indent="-514350">
+              <a:buAutoNum type="arabicPeriod"/>
+            </a:pPr>
+            <a:r>
+              <a:rPr lang="en-US" dirty="0" smtClean="0"/>
+              <a:t>Logistic Regression</a:t>
+            </a:r>
+          </a:p>
+          <a:p>
+            <a:pPr marL="514350" indent="-514350">
+              <a:buAutoNum type="arabicPeriod"/>
+            </a:pPr>
+            <a:r>
+              <a:rPr lang="en-US" dirty="0" smtClean="0"/>
+              <a:t>Classification Trees</a:t>
+            </a:r>
+          </a:p>
+          <a:p>
+            <a:pPr marL="514350" indent="-514350">
+              <a:buAutoNum type="arabicPeriod"/>
+            </a:pPr>
+            <a:r>
+              <a:rPr lang="en-US" smtClean="0"/>
+              <a:t>CN2 Algorithm</a:t>
+            </a:r>
+            <a:endParaRPr lang="en-US" dirty="0" smtClean="0"/>
+          </a:p>
+          <a:p>
+            <a:pPr marL="514350" indent="-514350">
+              <a:buAutoNum type="arabicPeriod"/>
+            </a:pPr>
+            <a:r>
+              <a:rPr lang="en-US" dirty="0" smtClean="0"/>
+              <a:t>K-Nearest Neighbors</a:t>
+            </a:r>
+          </a:p>
+          <a:p>
+            <a:pPr marL="514350" indent="-514350">
+              <a:buAutoNum type="arabicPeriod"/>
+            </a:pPr>
+            <a:endParaRPr lang="en-US" dirty="0"/>
+          </a:p>
+        </p:txBody>
+      </p:sp>
+      <p:sp>
+        <p:nvSpPr>
+          <p:cNvPr id="4" name="Title 1"/>
+          <p:cNvSpPr>
+            <a:spLocks noGrp="1"/>
+          </p:cNvSpPr>
+          <p:nvPr>
+            <p:ph type="title"/>
+          </p:nvPr>
+        </p:nvSpPr>
+        <p:spPr/>
+        <p:txBody>
+          <a:bodyPr>
+            <a:normAutofit fontScale="90000"/>
+          </a:bodyPr>
+          <a:lstStyle/>
+          <a:p>
+            <a:r>
+              <a:rPr lang="en-US" dirty="0"/>
+              <a:t>Implementing Bayesian Classifiers in </a:t>
+            </a:r>
+            <a:r>
+              <a:rPr lang="en-US" dirty="0" smtClean="0"/>
+              <a:t>Python</a:t>
+            </a:r>
+            <a:endParaRPr lang="en-US" dirty="0"/>
+          </a:p>
+        </p:txBody>
+      </p:sp>
+    </p:spTree>
+    <p:extLst>
+      <p:ext uri="{BB962C8B-B14F-4D97-AF65-F5344CB8AC3E}">
+        <p14:creationId xmlns:p14="http://schemas.microsoft.com/office/powerpoint/2010/main" val="723728661"/>
+      </p:ext>
+    </p:extLst>
+  </p:cSld>
+  <p:clrMapOvr>
+    <a:masterClrMapping/>
+  </p:clrMapOvr>
+  <p:transition spd="slow">
+    <p:wipe dir="d"/>
+  </p:transition>
+</p:sld>
+</file>
+
+<file path=ppt/slides/slide17.xml><?xml version="1.0" encoding="utf-8"?>
+<p:sld xmlns:a="http://schemas.openxmlformats.org/drawingml/2006/main" xmlns:r="http://schemas.openxmlformats.org/officeDocument/2006/relationships" xmlns:p="http://schemas.openxmlformats.org/presentationml/2006/main">
+  <p:cSld>
+    <p:spTree>
+      <p:nvGrpSpPr>
+        <p:cNvPr id="1" name=""/>
+        <p:cNvGrpSpPr/>
+        <p:nvPr/>
+      </p:nvGrpSpPr>
+      <p:grpSpPr>
+        <a:xfrm>
+          <a:off x="0" y="0"/>
+          <a:ext cx="0" cy="0"/>
+          <a:chOff x="0" y="0"/>
+          <a:chExt cx="0" cy="0"/>
+        </a:xfrm>
+      </p:grpSpPr>
+      <p:sp>
+        <p:nvSpPr>
           <p:cNvPr id="2" name="Title 1"/>
           <p:cNvSpPr>
             <a:spLocks noGrp="1"/>
@@ -7897,7 +9356,7 @@
 </p:sld>
 </file>
 
-<file path=ppt/slides/slide17.xml><?xml version="1.0" encoding="utf-8"?>
+<file path=ppt/slides/slide18.xml><?xml version="1.0" encoding="utf-8"?>
 <p:sld xmlns:a="http://schemas.openxmlformats.org/drawingml/2006/main" xmlns:r="http://schemas.openxmlformats.org/officeDocument/2006/relationships" xmlns:p="http://schemas.openxmlformats.org/presentationml/2006/main">
   <p:cSld>
     <p:spTree>
@@ -7924,12 +9383,95 @@
             <p:ph idx="1"/>
           </p:nvPr>
         </p:nvSpPr>
-        <p:spPr/>
-        <p:txBody>
-          <a:bodyPr/>
+        <p:spPr>
+          <a:xfrm>
+            <a:off x="762000" y="3048000"/>
+            <a:ext cx="8077200" cy="3429000"/>
+          </a:xfrm>
+        </p:spPr>
+        <p:txBody>
+          <a:bodyPr>
+            <a:normAutofit fontScale="92500" lnSpcReduction="10000"/>
+          </a:bodyPr>
           <a:lstStyle/>
           <a:p>
-            <a:endParaRPr lang="en-US"/>
+            <a:r>
+              <a:rPr lang="en-US" dirty="0" smtClean="0"/>
+              <a:t>Utilized k-fold cross validation to train and score classifier</a:t>
+            </a:r>
+          </a:p>
+          <a:p>
+            <a:pPr lvl="1"/>
+            <a:r>
+              <a:rPr lang="en-US" dirty="0"/>
+              <a:t>data is divided into roughly k equal parts (k being </a:t>
+            </a:r>
+            <a:r>
+              <a:rPr lang="en-US" dirty="0" smtClean="0"/>
+              <a:t>specified by the </a:t>
+            </a:r>
+            <a:r>
+              <a:rPr lang="en-US" dirty="0"/>
+              <a:t>user at the outset</a:t>
+            </a:r>
+            <a:r>
+              <a:rPr lang="en-US" dirty="0" smtClean="0"/>
+              <a:t>)</a:t>
+            </a:r>
+          </a:p>
+          <a:p>
+            <a:pPr lvl="1"/>
+            <a:r>
+              <a:rPr lang="en-US" dirty="0"/>
+              <a:t>model is then t using the observations in k-1 </a:t>
+            </a:r>
+            <a:r>
+              <a:rPr lang="en-US" dirty="0" smtClean="0"/>
+              <a:t>parts</a:t>
+            </a:r>
+          </a:p>
+          <a:p>
+            <a:pPr lvl="1"/>
+            <a:r>
+              <a:rPr lang="en-US" dirty="0"/>
+              <a:t>model is </a:t>
+            </a:r>
+            <a:r>
+              <a:rPr lang="en-US" dirty="0" smtClean="0"/>
+              <a:t>then used </a:t>
+            </a:r>
+            <a:r>
+              <a:rPr lang="en-US" dirty="0"/>
+              <a:t>to score the k-</a:t>
+            </a:r>
+            <a:r>
+              <a:rPr lang="en-US" dirty="0" err="1"/>
+              <a:t>th</a:t>
+            </a:r>
+            <a:r>
+              <a:rPr lang="en-US" dirty="0"/>
+              <a:t> </a:t>
+            </a:r>
+            <a:r>
+              <a:rPr lang="en-US" dirty="0" smtClean="0"/>
+              <a:t>part</a:t>
+            </a:r>
+          </a:p>
+          <a:p>
+            <a:pPr lvl="1"/>
+            <a:r>
+              <a:rPr lang="en-US" dirty="0"/>
+              <a:t>process is repeated k-times, using a </a:t>
+            </a:r>
+            <a:r>
+              <a:rPr lang="en-US" dirty="0" err="1"/>
+              <a:t>dierent</a:t>
+            </a:r>
+            <a:r>
+              <a:rPr lang="en-US" dirty="0"/>
+              <a:t> partition each time</a:t>
+            </a:r>
+            <a:endParaRPr lang="en-US" dirty="0"/>
           </a:p>
         </p:txBody>
       </p:sp>
@@ -7967,6 +9509,70 @@
           </a:p>
         </p:txBody>
       </p:sp>
+      <p:pic>
+        <p:nvPicPr>
+          <p:cNvPr id="3074" name="Picture 2"/>
+          <p:cNvPicPr>
+            <a:picLocks noChangeAspect="1" noChangeArrowheads="1"/>
+          </p:cNvPicPr>
+          <p:nvPr/>
+        </p:nvPicPr>
+        <p:blipFill>
+          <a:blip r:embed="rId2">
+            <a:extLst>
+              <a:ext uri="{28A0092B-C50C-407E-A947-70E740481C1C}">
+                <a14:useLocalDpi xmlns:a14="http://schemas.microsoft.com/office/drawing/2010/main" val="0"/>
+              </a:ext>
+            </a:extLst>
+          </a:blip>
+          <a:srcRect/>
+          <a:stretch>
+            <a:fillRect/>
+          </a:stretch>
+        </p:blipFill>
+        <p:spPr bwMode="auto">
+          <a:xfrm>
+            <a:off x="1295400" y="1066800"/>
+            <a:ext cx="6162675" cy="1885950"/>
+          </a:xfrm>
+          <a:prstGeom prst="rect">
+            <a:avLst/>
+          </a:prstGeom>
+          <a:noFill/>
+          <a:ln>
+            <a:noFill/>
+          </a:ln>
+          <a:effectLst/>
+          <a:extLst>
+            <a:ext uri="{909E8E84-426E-40DD-AFC4-6F175D3DCCD1}">
+              <a14:hiddenFill xmlns:a14="http://schemas.microsoft.com/office/drawing/2010/main">
+                <a:solidFill>
+                  <a:schemeClr val="accent1"/>
+                </a:solidFill>
+              </a14:hiddenFill>
+            </a:ext>
+            <a:ext uri="{91240B29-F687-4F45-9708-019B960494DF}">
+              <a14:hiddenLine xmlns:a14="http://schemas.microsoft.com/office/drawing/2010/main" w="9525">
+                <a:solidFill>
+                  <a:schemeClr val="tx1"/>
+                </a:solidFill>
+                <a:miter lim="800000"/>
+                <a:headEnd/>
+                <a:tailEnd/>
+              </a14:hiddenLine>
+            </a:ext>
+            <a:ext uri="{AF507438-7753-43E0-B8FC-AC1667EBCBE1}">
+              <a14:hiddenEffects xmlns:a14="http://schemas.microsoft.com/office/drawing/2010/main">
+                <a:effectLst>
+                  <a:outerShdw dist="35921" dir="2700000" algn="ctr" rotWithShape="0">
+                    <a:schemeClr val="bg2"/>
+                  </a:outerShdw>
+                </a:effectLst>
+              </a14:hiddenEffects>
+            </a:ext>
+          </a:extLst>
+        </p:spPr>
+      </p:pic>
     </p:spTree>
     <p:extLst>
       <p:ext uri="{BB962C8B-B14F-4D97-AF65-F5344CB8AC3E}">
@@ -7990,6 +9596,137 @@
 </p:sld>
 </file>
 
+<file path=ppt/slides/slide19.xml><?xml version="1.0" encoding="utf-8"?>
+<p:sld xmlns:a="http://schemas.openxmlformats.org/drawingml/2006/main" xmlns:r="http://schemas.openxmlformats.org/officeDocument/2006/relationships" xmlns:p="http://schemas.openxmlformats.org/presentationml/2006/main">
+  <p:cSld>
+    <p:spTree>
+      <p:nvGrpSpPr>
+        <p:cNvPr id="1" name=""/>
+        <p:cNvGrpSpPr/>
+        <p:nvPr/>
+      </p:nvGrpSpPr>
+      <p:grpSpPr>
+        <a:xfrm>
+          <a:off x="0" y="0"/>
+          <a:ext cx="0" cy="0"/>
+          <a:chOff x="0" y="0"/>
+          <a:chExt cx="0" cy="0"/>
+        </a:xfrm>
+      </p:grpSpPr>
+      <p:pic>
+        <p:nvPicPr>
+          <p:cNvPr id="4098" name="Picture 2"/>
+          <p:cNvPicPr>
+            <a:picLocks noChangeAspect="1" noChangeArrowheads="1"/>
+          </p:cNvPicPr>
+          <p:nvPr/>
+        </p:nvPicPr>
+        <p:blipFill>
+          <a:blip r:embed="rId3" cstate="email">
+            <a:extLst>
+              <a:ext uri="{28A0092B-C50C-407E-A947-70E740481C1C}">
+                <a14:useLocalDpi xmlns:a14="http://schemas.microsoft.com/office/drawing/2010/main" val="0"/>
+              </a:ext>
+            </a:extLst>
+          </a:blip>
+          <a:srcRect/>
+          <a:stretch>
+            <a:fillRect/>
+          </a:stretch>
+        </p:blipFill>
+        <p:spPr bwMode="auto">
+          <a:xfrm>
+            <a:off x="1524000" y="1219200"/>
+            <a:ext cx="6959013" cy="5638800"/>
+          </a:xfrm>
+          <a:prstGeom prst="rect">
+            <a:avLst/>
+          </a:prstGeom>
+          <a:noFill/>
+          <a:ln>
+            <a:noFill/>
+          </a:ln>
+          <a:effectLst/>
+          <a:extLst>
+            <a:ext uri="{909E8E84-426E-40DD-AFC4-6F175D3DCCD1}">
+              <a14:hiddenFill xmlns:a14="http://schemas.microsoft.com/office/drawing/2010/main">
+                <a:solidFill>
+                  <a:schemeClr val="accent1"/>
+                </a:solidFill>
+              </a14:hiddenFill>
+            </a:ext>
+            <a:ext uri="{91240B29-F687-4F45-9708-019B960494DF}">
+              <a14:hiddenLine xmlns:a14="http://schemas.microsoft.com/office/drawing/2010/main" w="9525">
+                <a:solidFill>
+                  <a:schemeClr val="tx1"/>
+                </a:solidFill>
+                <a:miter lim="800000"/>
+                <a:headEnd/>
+                <a:tailEnd/>
+              </a14:hiddenLine>
+            </a:ext>
+            <a:ext uri="{AF507438-7753-43E0-B8FC-AC1667EBCBE1}">
+              <a14:hiddenEffects xmlns:a14="http://schemas.microsoft.com/office/drawing/2010/main">
+                <a:effectLst>
+                  <a:outerShdw dist="35921" dir="2700000" algn="ctr" rotWithShape="0">
+                    <a:schemeClr val="bg2"/>
+                  </a:outerShdw>
+                </a:effectLst>
+              </a14:hiddenEffects>
+            </a:ext>
+          </a:extLst>
+        </p:spPr>
+      </p:pic>
+      <p:sp>
+        <p:nvSpPr>
+          <p:cNvPr id="5" name="Title 1"/>
+          <p:cNvSpPr>
+            <a:spLocks noGrp="1"/>
+          </p:cNvSpPr>
+          <p:nvPr>
+            <p:ph type="title"/>
+          </p:nvPr>
+        </p:nvSpPr>
+        <p:spPr>
+          <a:xfrm>
+            <a:off x="762000" y="269632"/>
+            <a:ext cx="8077200" cy="1143000"/>
+          </a:xfrm>
+        </p:spPr>
+        <p:txBody>
+          <a:bodyPr>
+            <a:normAutofit/>
+          </a:bodyPr>
+          <a:lstStyle/>
+          <a:p>
+            <a:r>
+              <a:rPr lang="en-US" dirty="0"/>
+              <a:t>Illustrative </a:t>
+            </a:r>
+            <a:r>
+              <a:rPr lang="en-US" dirty="0" smtClean="0"/>
+              <a:t>Example</a:t>
+            </a:r>
+            <a:endParaRPr lang="en-US" dirty="0"/>
+          </a:p>
+        </p:txBody>
+      </p:sp>
+    </p:spTree>
+    <p:extLst>
+      <p:ext uri="{BB962C8B-B14F-4D97-AF65-F5344CB8AC3E}">
+        <p14:creationId xmlns:p14="http://schemas.microsoft.com/office/powerpoint/2010/main" val="1010674974"/>
+      </p:ext>
+    </p:extLst>
+  </p:cSld>
+  <p:clrMapOvr>
+    <a:masterClrMapping/>
+  </p:clrMapOvr>
+  <p:transition spd="slow">
+    <p:wipe dir="d"/>
+  </p:transition>
+</p:sld>
+</file>
+
 <file path=ppt/slides/slide2.xml><?xml version="1.0" encoding="utf-8"?>
 <p:sld xmlns:a="http://schemas.openxmlformats.org/drawingml/2006/main" xmlns:r="http://schemas.openxmlformats.org/officeDocument/2006/relationships" xmlns:p="http://schemas.openxmlformats.org/presentationml/2006/main">
   <p:cSld>
@@ -8185,6 +9922,213 @@
       </p:par>
     </p:tnLst>
   </p:timing>
+</p:sld>
+</file>
+
+<file path=ppt/slides/slide20.xml><?xml version="1.0" encoding="utf-8"?>
+<p:sld xmlns:a="http://schemas.openxmlformats.org/drawingml/2006/main" xmlns:r="http://schemas.openxmlformats.org/officeDocument/2006/relationships" xmlns:p="http://schemas.openxmlformats.org/presentationml/2006/main">
+  <p:cSld>
+    <p:spTree>
+      <p:nvGrpSpPr>
+        <p:cNvPr id="1" name=""/>
+        <p:cNvGrpSpPr/>
+        <p:nvPr/>
+      </p:nvGrpSpPr>
+      <p:grpSpPr>
+        <a:xfrm>
+          <a:off x="0" y="0"/>
+          <a:ext cx="0" cy="0"/>
+          <a:chOff x="0" y="0"/>
+          <a:chExt cx="0" cy="0"/>
+        </a:xfrm>
+      </p:grpSpPr>
+      <p:sp>
+        <p:nvSpPr>
+          <p:cNvPr id="5" name="Content Placeholder 4"/>
+          <p:cNvSpPr>
+            <a:spLocks noGrp="1"/>
+          </p:cNvSpPr>
+          <p:nvPr>
+            <p:ph idx="1"/>
+          </p:nvPr>
+        </p:nvSpPr>
+        <p:spPr>
+          <a:xfrm>
+            <a:off x="762000" y="3505200"/>
+            <a:ext cx="8077200" cy="3124200"/>
+          </a:xfrm>
+        </p:spPr>
+        <p:txBody>
+          <a:bodyPr>
+            <a:normAutofit fontScale="70000" lnSpcReduction="20000"/>
+          </a:bodyPr>
+          <a:lstStyle/>
+          <a:p>
+            <a:r>
+              <a:rPr lang="en-US" dirty="0" smtClean="0"/>
+              <a:t>Classification Accuracy: % of observations in test group that were accurately classified</a:t>
+            </a:r>
+          </a:p>
+          <a:p>
+            <a:r>
+              <a:rPr lang="en-US" dirty="0" smtClean="0"/>
+              <a:t>Information Score (</a:t>
+            </a:r>
+            <a:r>
+              <a:rPr lang="en-US" dirty="0" err="1">
+                <a:hlinkClick r:id="rId3"/>
+              </a:rPr>
+              <a:t>Kononenko</a:t>
+            </a:r>
+            <a:r>
+              <a:rPr lang="en-US" dirty="0">
+                <a:hlinkClick r:id="rId3"/>
+              </a:rPr>
+              <a:t> and </a:t>
+            </a:r>
+            <a:r>
+              <a:rPr lang="en-US" dirty="0" err="1">
+                <a:hlinkClick r:id="rId3"/>
+              </a:rPr>
+              <a:t>Bratko</a:t>
+            </a:r>
+            <a:r>
+              <a:rPr lang="en-US" dirty="0">
+                <a:hlinkClick r:id="rId3"/>
+              </a:rPr>
+              <a:t> (1991</a:t>
+            </a:r>
+            <a:r>
+              <a:rPr lang="en-US" dirty="0" smtClean="0">
+                <a:hlinkClick r:id="rId3"/>
+              </a:rPr>
+              <a:t>)</a:t>
+            </a:r>
+            <a:r>
+              <a:rPr lang="en-US" dirty="0" smtClean="0"/>
+              <a:t>): Beyond scope of presentation</a:t>
+            </a:r>
+          </a:p>
+          <a:p>
+            <a:r>
+              <a:rPr lang="en-US" dirty="0" smtClean="0"/>
+              <a:t>Brier Score: Difference between predicted probability of an outcome and actual probability of that outcome</a:t>
+            </a:r>
+          </a:p>
+          <a:p>
+            <a:r>
+              <a:rPr lang="en-US" dirty="0" smtClean="0"/>
+              <a:t>Area Under ROC: Probability that a classifier will calculate the probability  of an object belonging to a certain group  as higher than the probability of an object of another group</a:t>
+            </a:r>
+          </a:p>
+        </p:txBody>
+      </p:sp>
+      <p:pic>
+        <p:nvPicPr>
+          <p:cNvPr id="6146" name="Picture 2"/>
+          <p:cNvPicPr>
+            <a:picLocks noChangeAspect="1" noChangeArrowheads="1"/>
+          </p:cNvPicPr>
+          <p:nvPr/>
+        </p:nvPicPr>
+        <p:blipFill>
+          <a:blip r:embed="rId4">
+            <a:extLst>
+              <a:ext uri="{28A0092B-C50C-407E-A947-70E740481C1C}">
+                <a14:useLocalDpi xmlns:a14="http://schemas.microsoft.com/office/drawing/2010/main" val="0"/>
+              </a:ext>
+            </a:extLst>
+          </a:blip>
+          <a:srcRect/>
+          <a:stretch>
+            <a:fillRect/>
+          </a:stretch>
+        </p:blipFill>
+        <p:spPr bwMode="auto">
+          <a:xfrm>
+            <a:off x="3052762" y="1676400"/>
+            <a:ext cx="3038475" cy="1457325"/>
+          </a:xfrm>
+          <a:prstGeom prst="rect">
+            <a:avLst/>
+          </a:prstGeom>
+          <a:noFill/>
+          <a:ln>
+            <a:noFill/>
+          </a:ln>
+          <a:effectLst/>
+          <a:extLst>
+            <a:ext uri="{909E8E84-426E-40DD-AFC4-6F175D3DCCD1}">
+              <a14:hiddenFill xmlns:a14="http://schemas.microsoft.com/office/drawing/2010/main">
+                <a:solidFill>
+                  <a:schemeClr val="accent1"/>
+                </a:solidFill>
+              </a14:hiddenFill>
+            </a:ext>
+            <a:ext uri="{91240B29-F687-4F45-9708-019B960494DF}">
+              <a14:hiddenLine xmlns:a14="http://schemas.microsoft.com/office/drawing/2010/main" w="9525">
+                <a:solidFill>
+                  <a:schemeClr val="tx1"/>
+                </a:solidFill>
+                <a:miter lim="800000"/>
+                <a:headEnd/>
+                <a:tailEnd/>
+              </a14:hiddenLine>
+            </a:ext>
+            <a:ext uri="{AF507438-7753-43E0-B8FC-AC1667EBCBE1}">
+              <a14:hiddenEffects xmlns:a14="http://schemas.microsoft.com/office/drawing/2010/main">
+                <a:effectLst>
+                  <a:outerShdw dist="35921" dir="2700000" algn="ctr" rotWithShape="0">
+                    <a:schemeClr val="bg2"/>
+                  </a:outerShdw>
+                </a:effectLst>
+              </a14:hiddenEffects>
+            </a:ext>
+          </a:extLst>
+        </p:spPr>
+      </p:pic>
+      <p:sp>
+        <p:nvSpPr>
+          <p:cNvPr id="7" name="Title 1"/>
+          <p:cNvSpPr>
+            <a:spLocks noGrp="1"/>
+          </p:cNvSpPr>
+          <p:nvPr>
+            <p:ph type="title"/>
+          </p:nvPr>
+        </p:nvSpPr>
+        <p:spPr/>
+        <p:txBody>
+          <a:bodyPr>
+            <a:normAutofit/>
+          </a:bodyPr>
+          <a:lstStyle/>
+          <a:p>
+            <a:r>
+              <a:rPr lang="en-US" dirty="0"/>
+              <a:t>Illustrative </a:t>
+            </a:r>
+            <a:r>
+              <a:rPr lang="en-US" dirty="0" smtClean="0"/>
+              <a:t>Example</a:t>
+            </a:r>
+            <a:endParaRPr lang="en-US" dirty="0"/>
+          </a:p>
+        </p:txBody>
+      </p:sp>
+    </p:spTree>
+    <p:extLst>
+      <p:ext uri="{BB962C8B-B14F-4D97-AF65-F5344CB8AC3E}">
+        <p14:creationId xmlns:p14="http://schemas.microsoft.com/office/powerpoint/2010/main" val="1522195462"/>
+      </p:ext>
+    </p:extLst>
+  </p:cSld>
+  <p:clrMapOvr>
+    <a:masterClrMapping/>
+  </p:clrMapOvr>
+  <p:transition spd="slow">
+    <p:wipe dir="d"/>
+  </p:transition>
 </p:sld>
 </file>
 
@@ -10788,11 +12732,7 @@
             </a:r>
             <a:r>
               <a:rPr lang="en-US" sz="2700" dirty="0" smtClean="0"/>
-              <a:t>Theorem: </a:t>
-            </a:r>
-            <a:r>
-              <a:rPr lang="en-US" sz="2700" dirty="0" smtClean="0"/>
-              <a:t>Background theory</a:t>
+              <a:t>Theorem: Background theory</a:t>
             </a:r>
             <a:r>
               <a:rPr lang="en-US" dirty="0"/>
@@ -11244,7 +13184,6 @@
               <a:rPr lang="en-US" dirty="0"/>
               <a:t>rely on Bayes theorem, which states for two events A and B:</a:t>
             </a:r>
-            <a:endParaRPr lang="en-US" dirty="0"/>
           </a:p>
         </p:txBody>
       </p:sp>
@@ -11281,11 +13220,7 @@
             </a:r>
             <a:r>
               <a:rPr lang="en-US" sz="2700" dirty="0" smtClean="0"/>
-              <a:t>Theorem: </a:t>
-            </a:r>
-            <a:r>
-              <a:rPr lang="en-US" sz="2700" dirty="0" smtClean="0"/>
-              <a:t>Background theory</a:t>
+              <a:t>Theorem: Background theory</a:t>
             </a:r>
             <a:r>
               <a:rPr lang="en-US" dirty="0"/>

--- a/Presentation/Bayesian Classifiers in Python.pptx
+++ b/Presentation/Bayesian Classifiers in Python.pptx
@@ -5,10 +5,10 @@
     <p:sldMasterId id="2147483648" r:id="rId1"/>
   </p:sldMasterIdLst>
   <p:notesMasterIdLst>
-    <p:notesMasterId r:id="rId22"/>
+    <p:notesMasterId r:id="rId25"/>
   </p:notesMasterIdLst>
   <p:handoutMasterIdLst>
-    <p:handoutMasterId r:id="rId23"/>
+    <p:handoutMasterId r:id="rId26"/>
   </p:handoutMasterIdLst>
   <p:sldIdLst>
     <p:sldId id="259" r:id="rId2"/>
@@ -31,6 +31,9 @@
     <p:sldId id="274" r:id="rId19"/>
     <p:sldId id="277" r:id="rId20"/>
     <p:sldId id="279" r:id="rId21"/>
+    <p:sldId id="281" r:id="rId22"/>
+    <p:sldId id="282" r:id="rId23"/>
+    <p:sldId id="283" r:id="rId24"/>
   </p:sldIdLst>
   <p:sldSz cx="9144000" cy="6858000" type="screen4x3"/>
   <p:notesSz cx="6858000" cy="9144000"/>
@@ -174,6 +177,9 @@
             <p14:sldId id="274"/>
             <p14:sldId id="277"/>
             <p14:sldId id="279"/>
+            <p14:sldId id="281"/>
+            <p14:sldId id="282"/>
+            <p14:sldId id="283"/>
           </p14:sldIdLst>
         </p14:section>
         <p14:section name="Appendix" id="{3F78B471-41DA-46F2-A8E4-97E471896AB3}">
@@ -5363,19 +5369,7 @@
             </a:pPr>
             <a:r>
               <a:rPr lang="en-US" dirty="0" smtClean="0"/>
-              <a:t>There are two football teams on </a:t>
-            </a:r>
-            <a:r>
-              <a:rPr lang="en-US" dirty="0" smtClean="0"/>
-              <a:t>TV </a:t>
-            </a:r>
-            <a:r>
-              <a:rPr lang="en-US" dirty="0" smtClean="0"/>
-              <a:t>today</a:t>
-            </a:r>
-            <a:r>
-              <a:rPr lang="en-US" dirty="0" smtClean="0"/>
-              <a:t>, the Chicago Bears and the Green Bay Packers. </a:t>
+              <a:t>There are two football teams on TV today, the Chicago Bears and the Green Bay Packers. </a:t>
             </a:r>
           </a:p>
           <a:p>
@@ -6685,11 +6679,7 @@
                     <a:p>
                       <a:r>
                         <a:rPr lang="en-US" sz="900" dirty="0" smtClean="0"/>
-                        <a:t>P(Small</a:t>
-                      </a:r>
-                      <a:r>
-                        <a:rPr lang="en-US" sz="900" dirty="0" smtClean="0"/>
-                        <a:t>)=</a:t>
+                        <a:t>P(Small)=</a:t>
                       </a:r>
                       <a:r>
                         <a:rPr lang="en-US" sz="900" baseline="0" dirty="0" smtClean="0"/>
@@ -6713,11 +6703,7 @@
                     <a:p>
                       <a:r>
                         <a:rPr lang="en-US" sz="900" dirty="0" smtClean="0"/>
-                        <a:t>P(Small)= 30</a:t>
-                      </a:r>
-                      <a:r>
-                        <a:rPr lang="en-US" sz="900" dirty="0" smtClean="0"/>
-                        <a:t>%</a:t>
+                        <a:t>P(Small)= 30%</a:t>
                       </a:r>
                     </a:p>
                     <a:p>
@@ -6789,11 +6775,7 @@
                       </a:r>
                       <a:r>
                         <a:rPr lang="en-US" sz="900" baseline="0" dirty="0" smtClean="0"/>
-                        <a:t> 10</a:t>
-                      </a:r>
-                      <a:r>
-                        <a:rPr lang="en-US" sz="900" baseline="0" dirty="0" smtClean="0"/>
-                        <a:t>%</a:t>
+                        <a:t> 10%</a:t>
                       </a:r>
                     </a:p>
                     <a:p>
@@ -6854,11 +6836,7 @@
                     <a:p>
                       <a:r>
                         <a:rPr lang="en-US" sz="900" dirty="0" smtClean="0"/>
-                        <a:t>P(Aloof</a:t>
-                      </a:r>
-                      <a:r>
-                        <a:rPr lang="en-US" sz="900" dirty="0" smtClean="0"/>
-                        <a:t>)= 60%</a:t>
+                        <a:t>P(Aloof)= 60%</a:t>
                       </a:r>
                     </a:p>
                     <a:p>
@@ -6886,11 +6864,7 @@
                       </a:r>
                       <a:r>
                         <a:rPr lang="en-US" sz="900" baseline="0" dirty="0" smtClean="0"/>
-                        <a:t> 10</a:t>
-                      </a:r>
-                      <a:r>
-                        <a:rPr lang="en-US" sz="900" baseline="0" dirty="0" smtClean="0"/>
-                        <a:t>%</a:t>
+                        <a:t> 10%</a:t>
                       </a:r>
                     </a:p>
                     <a:p>
@@ -6947,11 +6921,7 @@
                     <a:p>
                       <a:r>
                         <a:rPr lang="en-US" sz="900" dirty="0" smtClean="0"/>
-                        <a:t>P(Erect)=75</a:t>
-                      </a:r>
-                      <a:r>
-                        <a:rPr lang="en-US" sz="900" dirty="0" smtClean="0"/>
-                        <a:t>%</a:t>
+                        <a:t>P(Erect)=75%</a:t>
                       </a:r>
                     </a:p>
                     <a:p>
@@ -6996,11 +6966,7 @@
                       </a:r>
                       <a:r>
                         <a:rPr lang="en-US" sz="900" baseline="0" dirty="0" smtClean="0"/>
-                        <a:t> 40</a:t>
-                      </a:r>
-                      <a:r>
-                        <a:rPr lang="en-US" sz="900" baseline="0" dirty="0" smtClean="0"/>
-                        <a:t>%</a:t>
+                        <a:t> 40%</a:t>
                       </a:r>
                     </a:p>
                     <a:p>
@@ -7110,11 +7076,7 @@
                     <a:p>
                       <a:r>
                         <a:rPr lang="en-US" sz="900" dirty="0" smtClean="0"/>
-                        <a:t>P(Short)= 20</a:t>
-                      </a:r>
-                      <a:r>
-                        <a:rPr lang="en-US" sz="900" dirty="0" smtClean="0"/>
-                        <a:t>%</a:t>
+                        <a:t>P(Short)= 20%</a:t>
                       </a:r>
                     </a:p>
                     <a:p>
@@ -7147,7 +7109,6 @@
                         <a:rPr lang="en-US" sz="900" dirty="0" smtClean="0"/>
                         <a:t>%</a:t>
                       </a:r>
-                      <a:endParaRPr lang="en-US" sz="900" dirty="0" smtClean="0"/>
                     </a:p>
                   </a:txBody>
                   <a:tcPr/>
@@ -7488,11 +7449,7 @@
           <a:p>
             <a:r>
               <a:rPr lang="en-US" sz="3200" dirty="0" smtClean="0"/>
-              <a:t>Overview of Classification Problems: </a:t>
-            </a:r>
-            <a:r>
-              <a:rPr lang="en-US" sz="3200" dirty="0" smtClean="0"/>
-              <a:t>Definition</a:t>
+              <a:t>Overview of Classification Problems: Definition</a:t>
             </a:r>
             <a:endParaRPr lang="en-US" sz="3200" dirty="0"/>
           </a:p>
@@ -7858,15 +7815,7 @@
                             <a:srgbClr val="FF0000"/>
                           </a:solidFill>
                         </a:rPr>
-                        <a:t>P(Small</a:t>
-                      </a:r>
-                      <a:r>
-                        <a:rPr lang="en-US" sz="900" b="1" u="sng" dirty="0" smtClean="0">
-                          <a:solidFill>
-                            <a:srgbClr val="FF0000"/>
-                          </a:solidFill>
-                        </a:rPr>
-                        <a:t>)=</a:t>
+                        <a:t>P(Small)=</a:t>
                       </a:r>
                       <a:r>
                         <a:rPr lang="en-US" sz="900" b="1" u="sng" baseline="0" dirty="0" smtClean="0">
@@ -7898,15 +7847,7 @@
                             <a:srgbClr val="FF0000"/>
                           </a:solidFill>
                         </a:rPr>
-                        <a:t>P(Small)= 30</a:t>
-                      </a:r>
-                      <a:r>
-                        <a:rPr lang="en-US" sz="900" b="1" u="sng" dirty="0" smtClean="0">
-                          <a:solidFill>
-                            <a:srgbClr val="FF0000"/>
-                          </a:solidFill>
-                        </a:rPr>
-                        <a:t>%</a:t>
+                        <a:t>P(Small)= 30%</a:t>
                       </a:r>
                     </a:p>
                     <a:p>
@@ -7986,11 +7927,7 @@
                       </a:r>
                       <a:r>
                         <a:rPr lang="en-US" sz="900" baseline="0" dirty="0" smtClean="0"/>
-                        <a:t> 10</a:t>
-                      </a:r>
-                      <a:r>
-                        <a:rPr lang="en-US" sz="900" baseline="0" dirty="0" smtClean="0"/>
-                        <a:t>%</a:t>
+                        <a:t> 10%</a:t>
                       </a:r>
                     </a:p>
                     <a:p>
@@ -8067,11 +8004,7 @@
                     <a:p>
                       <a:r>
                         <a:rPr lang="en-US" sz="900" dirty="0" smtClean="0"/>
-                        <a:t>P(Aloof</a:t>
-                      </a:r>
-                      <a:r>
-                        <a:rPr lang="en-US" sz="900" dirty="0" smtClean="0"/>
-                        <a:t>)= 60%</a:t>
+                        <a:t>P(Aloof)= 60%</a:t>
                       </a:r>
                     </a:p>
                     <a:p>
@@ -8111,11 +8044,7 @@
                       </a:r>
                       <a:r>
                         <a:rPr lang="en-US" sz="900" baseline="0" dirty="0" smtClean="0"/>
-                        <a:t> 10</a:t>
-                      </a:r>
-                      <a:r>
-                        <a:rPr lang="en-US" sz="900" baseline="0" dirty="0" smtClean="0"/>
-                        <a:t>%</a:t>
+                        <a:t> 10%</a:t>
                       </a:r>
                     </a:p>
                     <a:p>
@@ -8184,11 +8113,7 @@
                     <a:p>
                       <a:r>
                         <a:rPr lang="en-US" sz="900" dirty="0" smtClean="0"/>
-                        <a:t>P(Erect)=75</a:t>
-                      </a:r>
-                      <a:r>
-                        <a:rPr lang="en-US" sz="900" dirty="0" smtClean="0"/>
-                        <a:t>%</a:t>
+                        <a:t>P(Erect)=75%</a:t>
                       </a:r>
                     </a:p>
                     <a:p>
@@ -8245,11 +8170,7 @@
                       </a:r>
                       <a:r>
                         <a:rPr lang="en-US" sz="900" baseline="0" dirty="0" smtClean="0"/>
-                        <a:t> 40</a:t>
-                      </a:r>
-                      <a:r>
-                        <a:rPr lang="en-US" sz="900" baseline="0" dirty="0" smtClean="0"/>
-                        <a:t>%</a:t>
+                        <a:t> 40%</a:t>
                       </a:r>
                     </a:p>
                     <a:p>
@@ -8387,11 +8308,7 @@
                     <a:p>
                       <a:r>
                         <a:rPr lang="en-US" sz="900" dirty="0" smtClean="0"/>
-                        <a:t>P(Short)= 20</a:t>
-                      </a:r>
-                      <a:r>
-                        <a:rPr lang="en-US" sz="900" dirty="0" smtClean="0"/>
-                        <a:t>%</a:t>
+                        <a:t>P(Short)= 20%</a:t>
                       </a:r>
                     </a:p>
                     <a:p>
@@ -8436,11 +8353,6 @@
                         </a:rPr>
                         <a:t>%</a:t>
                       </a:r>
-                      <a:endParaRPr lang="en-US" sz="900" b="1" u="sng" dirty="0" smtClean="0">
-                        <a:solidFill>
-                          <a:srgbClr val="FF0000"/>
-                        </a:solidFill>
-                      </a:endParaRPr>
                     </a:p>
                   </a:txBody>
                   <a:tcPr/>
@@ -9471,7 +9383,6 @@
               <a:rPr lang="en-US" dirty="0"/>
               <a:t> partition each time</a:t>
             </a:r>
-            <a:endParaRPr lang="en-US" dirty="0"/>
           </a:p>
         </p:txBody>
       </p:sp>
@@ -9791,7 +9702,7 @@
         </p:spPr>
         <p:txBody>
           <a:bodyPr>
-            <a:normAutofit fontScale="70000" lnSpcReduction="20000"/>
+            <a:normAutofit fontScale="62500" lnSpcReduction="20000"/>
           </a:bodyPr>
           <a:lstStyle/>
           <a:p>
@@ -9878,7 +9789,18 @@
             <a:pPr lvl="1"/>
             <a:r>
               <a:rPr lang="en-US" dirty="0" smtClean="0"/>
-              <a:t>Assessing Classifier Performance</a:t>
+              <a:t>Assessing Classifier </a:t>
+            </a:r>
+            <a:r>
+              <a:rPr lang="en-US" dirty="0" smtClean="0"/>
+              <a:t>Performance</a:t>
+            </a:r>
+          </a:p>
+          <a:p>
+            <a:pPr lvl="1"/>
+            <a:r>
+              <a:rPr lang="en-US" dirty="0" smtClean="0"/>
+              <a:t>Limitations of Bayesian Classifiers</a:t>
             </a:r>
             <a:endParaRPr lang="en-US" dirty="0"/>
           </a:p>
@@ -10120,6 +10042,429 @@
     <p:extLst>
       <p:ext uri="{BB962C8B-B14F-4D97-AF65-F5344CB8AC3E}">
         <p14:creationId xmlns:p14="http://schemas.microsoft.com/office/powerpoint/2010/main" val="1522195462"/>
+      </p:ext>
+    </p:extLst>
+  </p:cSld>
+  <p:clrMapOvr>
+    <a:masterClrMapping/>
+  </p:clrMapOvr>
+  <p:transition spd="slow">
+    <p:wipe dir="d"/>
+  </p:transition>
+</p:sld>
+</file>
+
+<file path=ppt/slides/slide21.xml><?xml version="1.0" encoding="utf-8"?>
+<p:sld xmlns:a="http://schemas.openxmlformats.org/drawingml/2006/main" xmlns:r="http://schemas.openxmlformats.org/officeDocument/2006/relationships" xmlns:p="http://schemas.openxmlformats.org/presentationml/2006/main">
+  <p:cSld>
+    <p:spTree>
+      <p:nvGrpSpPr>
+        <p:cNvPr id="1" name=""/>
+        <p:cNvGrpSpPr/>
+        <p:nvPr/>
+      </p:nvGrpSpPr>
+      <p:grpSpPr>
+        <a:xfrm>
+          <a:off x="0" y="0"/>
+          <a:ext cx="0" cy="0"/>
+          <a:chOff x="0" y="0"/>
+          <a:chExt cx="0" cy="0"/>
+        </a:xfrm>
+      </p:grpSpPr>
+      <p:sp>
+        <p:nvSpPr>
+          <p:cNvPr id="3" name="Content Placeholder 2"/>
+          <p:cNvSpPr>
+            <a:spLocks noGrp="1"/>
+          </p:cNvSpPr>
+          <p:nvPr>
+            <p:ph idx="1"/>
+          </p:nvPr>
+        </p:nvSpPr>
+        <p:spPr/>
+        <p:txBody>
+          <a:bodyPr/>
+          <a:lstStyle/>
+          <a:p>
+            <a:pPr marL="0" indent="0">
+              <a:buNone/>
+            </a:pPr>
+            <a:r>
+              <a:rPr lang="en-US" dirty="0" smtClean="0"/>
+              <a:t>Limitations of Bayesian Classifiers:</a:t>
+            </a:r>
+          </a:p>
+          <a:p>
+            <a:pPr marL="514350" indent="-514350">
+              <a:buAutoNum type="arabicPeriod"/>
+            </a:pPr>
+            <a:r>
+              <a:rPr lang="en-US" dirty="0" smtClean="0"/>
+              <a:t>Most rely on strict assumption of independence between variables (Naïve)</a:t>
+            </a:r>
+          </a:p>
+          <a:p>
+            <a:pPr marL="514350" indent="-514350">
+              <a:buAutoNum type="arabicPeriod"/>
+            </a:pPr>
+            <a:r>
+              <a:rPr lang="en-US" dirty="0" smtClean="0"/>
+              <a:t>Models that do not rely on independence assumption can be quite complex</a:t>
+            </a:r>
+            <a:endParaRPr lang="en-US" dirty="0"/>
+          </a:p>
+        </p:txBody>
+      </p:sp>
+      <p:sp>
+        <p:nvSpPr>
+          <p:cNvPr id="4" name="Title 1"/>
+          <p:cNvSpPr>
+            <a:spLocks noGrp="1"/>
+          </p:cNvSpPr>
+          <p:nvPr>
+            <p:ph type="title"/>
+          </p:nvPr>
+        </p:nvSpPr>
+        <p:spPr/>
+        <p:txBody>
+          <a:bodyPr>
+            <a:normAutofit/>
+          </a:bodyPr>
+          <a:lstStyle/>
+          <a:p>
+            <a:r>
+              <a:rPr lang="en-US" dirty="0"/>
+              <a:t>Illustrative </a:t>
+            </a:r>
+            <a:r>
+              <a:rPr lang="en-US" dirty="0" smtClean="0"/>
+              <a:t>Example</a:t>
+            </a:r>
+            <a:endParaRPr lang="en-US" dirty="0"/>
+          </a:p>
+        </p:txBody>
+      </p:sp>
+    </p:spTree>
+    <p:extLst>
+      <p:ext uri="{BB962C8B-B14F-4D97-AF65-F5344CB8AC3E}">
+        <p14:creationId xmlns:p14="http://schemas.microsoft.com/office/powerpoint/2010/main" val="249801804"/>
+      </p:ext>
+    </p:extLst>
+  </p:cSld>
+  <p:clrMapOvr>
+    <a:masterClrMapping/>
+  </p:clrMapOvr>
+  <p:transition spd="slow">
+    <p:wipe dir="d"/>
+  </p:transition>
+</p:sld>
+</file>
+
+<file path=ppt/slides/slide22.xml><?xml version="1.0" encoding="utf-8"?>
+<p:sld xmlns:a="http://schemas.openxmlformats.org/drawingml/2006/main" xmlns:r="http://schemas.openxmlformats.org/officeDocument/2006/relationships" xmlns:p="http://schemas.openxmlformats.org/presentationml/2006/main">
+  <p:cSld>
+    <p:spTree>
+      <p:nvGrpSpPr>
+        <p:cNvPr id="1" name=""/>
+        <p:cNvGrpSpPr/>
+        <p:nvPr/>
+      </p:nvGrpSpPr>
+      <p:grpSpPr>
+        <a:xfrm>
+          <a:off x="0" y="0"/>
+          <a:ext cx="0" cy="0"/>
+          <a:chOff x="0" y="0"/>
+          <a:chExt cx="0" cy="0"/>
+        </a:xfrm>
+      </p:grpSpPr>
+      <p:sp>
+        <p:nvSpPr>
+          <p:cNvPr id="3" name="Content Placeholder 2"/>
+          <p:cNvSpPr>
+            <a:spLocks noGrp="1"/>
+          </p:cNvSpPr>
+          <p:nvPr>
+            <p:ph idx="1"/>
+          </p:nvPr>
+        </p:nvSpPr>
+        <p:spPr>
+          <a:xfrm>
+            <a:off x="762000" y="5562600"/>
+            <a:ext cx="8077200" cy="1016976"/>
+          </a:xfrm>
+        </p:spPr>
+        <p:txBody>
+          <a:bodyPr/>
+          <a:lstStyle/>
+          <a:p>
+            <a:r>
+              <a:rPr lang="en-US" dirty="0" smtClean="0"/>
+              <a:t>X and Y coordinates are not independent</a:t>
+            </a:r>
+            <a:endParaRPr lang="en-US" dirty="0"/>
+          </a:p>
+        </p:txBody>
+      </p:sp>
+      <p:sp>
+        <p:nvSpPr>
+          <p:cNvPr id="4" name="Title 1"/>
+          <p:cNvSpPr>
+            <a:spLocks noGrp="1"/>
+          </p:cNvSpPr>
+          <p:nvPr>
+            <p:ph type="title"/>
+          </p:nvPr>
+        </p:nvSpPr>
+        <p:spPr/>
+        <p:txBody>
+          <a:bodyPr>
+            <a:normAutofit/>
+          </a:bodyPr>
+          <a:lstStyle/>
+          <a:p>
+            <a:r>
+              <a:rPr lang="en-US" dirty="0"/>
+              <a:t>Illustrative </a:t>
+            </a:r>
+            <a:r>
+              <a:rPr lang="en-US" dirty="0" smtClean="0"/>
+              <a:t>Example</a:t>
+            </a:r>
+            <a:endParaRPr lang="en-US" dirty="0"/>
+          </a:p>
+        </p:txBody>
+      </p:sp>
+      <p:pic>
+        <p:nvPicPr>
+          <p:cNvPr id="1026" name="Picture 2"/>
+          <p:cNvPicPr>
+            <a:picLocks noChangeAspect="1" noChangeArrowheads="1"/>
+          </p:cNvPicPr>
+          <p:nvPr/>
+        </p:nvPicPr>
+        <p:blipFill>
+          <a:blip r:embed="rId2" cstate="email">
+            <a:extLst>
+              <a:ext uri="{28A0092B-C50C-407E-A947-70E740481C1C}">
+                <a14:useLocalDpi xmlns:a14="http://schemas.microsoft.com/office/drawing/2010/main" val="0"/>
+              </a:ext>
+            </a:extLst>
+          </a:blip>
+          <a:srcRect/>
+          <a:stretch>
+            <a:fillRect/>
+          </a:stretch>
+        </p:blipFill>
+        <p:spPr bwMode="auto">
+          <a:xfrm>
+            <a:off x="2057400" y="1143000"/>
+            <a:ext cx="5257800" cy="4294627"/>
+          </a:xfrm>
+          <a:prstGeom prst="rect">
+            <a:avLst/>
+          </a:prstGeom>
+          <a:noFill/>
+          <a:ln>
+            <a:noFill/>
+          </a:ln>
+          <a:effectLst/>
+          <a:extLst>
+            <a:ext uri="{909E8E84-426E-40DD-AFC4-6F175D3DCCD1}">
+              <a14:hiddenFill xmlns:a14="http://schemas.microsoft.com/office/drawing/2010/main">
+                <a:solidFill>
+                  <a:schemeClr val="accent1"/>
+                </a:solidFill>
+              </a14:hiddenFill>
+            </a:ext>
+            <a:ext uri="{91240B29-F687-4F45-9708-019B960494DF}">
+              <a14:hiddenLine xmlns:a14="http://schemas.microsoft.com/office/drawing/2010/main" w="9525">
+                <a:solidFill>
+                  <a:schemeClr val="tx1"/>
+                </a:solidFill>
+                <a:miter lim="800000"/>
+                <a:headEnd/>
+                <a:tailEnd/>
+              </a14:hiddenLine>
+            </a:ext>
+            <a:ext uri="{AF507438-7753-43E0-B8FC-AC1667EBCBE1}">
+              <a14:hiddenEffects xmlns:a14="http://schemas.microsoft.com/office/drawing/2010/main">
+                <a:effectLst>
+                  <a:outerShdw dist="35921" dir="2700000" algn="ctr" rotWithShape="0">
+                    <a:schemeClr val="bg2"/>
+                  </a:outerShdw>
+                </a:effectLst>
+              </a14:hiddenEffects>
+            </a:ext>
+          </a:extLst>
+        </p:spPr>
+      </p:pic>
+    </p:spTree>
+    <p:extLst>
+      <p:ext uri="{BB962C8B-B14F-4D97-AF65-F5344CB8AC3E}">
+        <p14:creationId xmlns:p14="http://schemas.microsoft.com/office/powerpoint/2010/main" val="107562764"/>
+      </p:ext>
+    </p:extLst>
+  </p:cSld>
+  <p:clrMapOvr>
+    <a:masterClrMapping/>
+  </p:clrMapOvr>
+  <p:transition spd="slow">
+    <p:wipe dir="d"/>
+  </p:transition>
+</p:sld>
+</file>
+
+<file path=ppt/slides/slide23.xml><?xml version="1.0" encoding="utf-8"?>
+<p:sld xmlns:a="http://schemas.openxmlformats.org/drawingml/2006/main" xmlns:r="http://schemas.openxmlformats.org/officeDocument/2006/relationships" xmlns:p="http://schemas.openxmlformats.org/presentationml/2006/main">
+  <p:cSld>
+    <p:spTree>
+      <p:nvGrpSpPr>
+        <p:cNvPr id="1" name=""/>
+        <p:cNvGrpSpPr/>
+        <p:nvPr/>
+      </p:nvGrpSpPr>
+      <p:grpSpPr>
+        <a:xfrm>
+          <a:off x="0" y="0"/>
+          <a:ext cx="0" cy="0"/>
+          <a:chOff x="0" y="0"/>
+          <a:chExt cx="0" cy="0"/>
+        </a:xfrm>
+      </p:grpSpPr>
+      <p:sp>
+        <p:nvSpPr>
+          <p:cNvPr id="3" name="Content Placeholder 2"/>
+          <p:cNvSpPr>
+            <a:spLocks noGrp="1"/>
+          </p:cNvSpPr>
+          <p:nvPr>
+            <p:ph idx="1"/>
+          </p:nvPr>
+        </p:nvSpPr>
+        <p:spPr>
+          <a:xfrm>
+            <a:off x="762000" y="5917224"/>
+            <a:ext cx="8077200" cy="788376"/>
+          </a:xfrm>
+        </p:spPr>
+        <p:txBody>
+          <a:bodyPr/>
+          <a:lstStyle/>
+          <a:p>
+            <a:r>
+              <a:rPr lang="en-US" dirty="0" smtClean="0"/>
+              <a:t>Model performs </a:t>
+            </a:r>
+            <a:r>
+              <a:rPr lang="en-US" smtClean="0"/>
+              <a:t>very poorly </a:t>
+            </a:r>
+            <a:endParaRPr lang="en-US" dirty="0"/>
+          </a:p>
+        </p:txBody>
+      </p:sp>
+      <p:sp>
+        <p:nvSpPr>
+          <p:cNvPr id="4" name="Title 1"/>
+          <p:cNvSpPr>
+            <a:spLocks noGrp="1"/>
+          </p:cNvSpPr>
+          <p:nvPr>
+            <p:ph type="title"/>
+          </p:nvPr>
+        </p:nvSpPr>
+        <p:spPr>
+          <a:xfrm>
+            <a:off x="762000" y="269632"/>
+            <a:ext cx="8077200" cy="1143000"/>
+          </a:xfrm>
+        </p:spPr>
+        <p:txBody>
+          <a:bodyPr>
+            <a:normAutofit/>
+          </a:bodyPr>
+          <a:lstStyle/>
+          <a:p>
+            <a:r>
+              <a:rPr lang="en-US" dirty="0"/>
+              <a:t>Illustrative </a:t>
+            </a:r>
+            <a:r>
+              <a:rPr lang="en-US" dirty="0" smtClean="0"/>
+              <a:t>Example</a:t>
+            </a:r>
+            <a:endParaRPr lang="en-US" dirty="0"/>
+          </a:p>
+        </p:txBody>
+      </p:sp>
+      <p:pic>
+        <p:nvPicPr>
+          <p:cNvPr id="2050" name="Picture 2"/>
+          <p:cNvPicPr>
+            <a:picLocks noChangeAspect="1" noChangeArrowheads="1"/>
+          </p:cNvPicPr>
+          <p:nvPr/>
+        </p:nvPicPr>
+        <p:blipFill>
+          <a:blip r:embed="rId2" cstate="email">
+            <a:extLst>
+              <a:ext uri="{28A0092B-C50C-407E-A947-70E740481C1C}">
+                <a14:useLocalDpi xmlns:a14="http://schemas.microsoft.com/office/drawing/2010/main" val="0"/>
+              </a:ext>
+            </a:extLst>
+          </a:blip>
+          <a:srcRect/>
+          <a:stretch>
+            <a:fillRect/>
+          </a:stretch>
+        </p:blipFill>
+        <p:spPr bwMode="auto">
+          <a:xfrm>
+            <a:off x="1924050" y="1219200"/>
+            <a:ext cx="5529828" cy="4516823"/>
+          </a:xfrm>
+          <a:prstGeom prst="rect">
+            <a:avLst/>
+          </a:prstGeom>
+          <a:noFill/>
+          <a:ln>
+            <a:noFill/>
+          </a:ln>
+          <a:effectLst/>
+          <a:extLst>
+            <a:ext uri="{909E8E84-426E-40DD-AFC4-6F175D3DCCD1}">
+              <a14:hiddenFill xmlns:a14="http://schemas.microsoft.com/office/drawing/2010/main">
+                <a:solidFill>
+                  <a:schemeClr val="accent1"/>
+                </a:solidFill>
+              </a14:hiddenFill>
+            </a:ext>
+            <a:ext uri="{91240B29-F687-4F45-9708-019B960494DF}">
+              <a14:hiddenLine xmlns:a14="http://schemas.microsoft.com/office/drawing/2010/main" w="9525">
+                <a:solidFill>
+                  <a:schemeClr val="tx1"/>
+                </a:solidFill>
+                <a:miter lim="800000"/>
+                <a:headEnd/>
+                <a:tailEnd/>
+              </a14:hiddenLine>
+            </a:ext>
+            <a:ext uri="{AF507438-7753-43E0-B8FC-AC1667EBCBE1}">
+              <a14:hiddenEffects xmlns:a14="http://schemas.microsoft.com/office/drawing/2010/main">
+                <a:effectLst>
+                  <a:outerShdw dist="35921" dir="2700000" algn="ctr" rotWithShape="0">
+                    <a:schemeClr val="bg2"/>
+                  </a:outerShdw>
+                </a:effectLst>
+              </a14:hiddenEffects>
+            </a:ext>
+          </a:extLst>
+        </p:spPr>
+      </p:pic>
+    </p:spTree>
+    <p:extLst>
+      <p:ext uri="{BB962C8B-B14F-4D97-AF65-F5344CB8AC3E}">
+        <p14:creationId xmlns:p14="http://schemas.microsoft.com/office/powerpoint/2010/main" val="2710854922"/>
       </p:ext>
     </p:extLst>
   </p:cSld>

--- a/Presentation/Bayesian Classifiers in Python.pptx
+++ b/Presentation/Bayesian Classifiers in Python.pptx
@@ -5,10 +5,10 @@
     <p:sldMasterId id="2147483648" r:id="rId1"/>
   </p:sldMasterIdLst>
   <p:notesMasterIdLst>
-    <p:notesMasterId r:id="rId25"/>
+    <p:notesMasterId r:id="rId29"/>
   </p:notesMasterIdLst>
   <p:handoutMasterIdLst>
-    <p:handoutMasterId r:id="rId26"/>
+    <p:handoutMasterId r:id="rId30"/>
   </p:handoutMasterIdLst>
   <p:sldIdLst>
     <p:sldId id="259" r:id="rId2"/>
@@ -34,6 +34,10 @@
     <p:sldId id="281" r:id="rId22"/>
     <p:sldId id="282" r:id="rId23"/>
     <p:sldId id="283" r:id="rId24"/>
+    <p:sldId id="284" r:id="rId25"/>
+    <p:sldId id="285" r:id="rId26"/>
+    <p:sldId id="286" r:id="rId27"/>
+    <p:sldId id="287" r:id="rId28"/>
   </p:sldIdLst>
   <p:sldSz cx="9144000" cy="6858000" type="screen4x3"/>
   <p:notesSz cx="6858000" cy="9144000"/>
@@ -182,6 +186,14 @@
             <p14:sldId id="283"/>
           </p14:sldIdLst>
         </p14:section>
+        <p14:section name="Real World Example" id="{D7B11A1F-C7D7-4CAD-AF09-5D8505D684F4}">
+          <p14:sldIdLst>
+            <p14:sldId id="284"/>
+            <p14:sldId id="285"/>
+            <p14:sldId id="286"/>
+            <p14:sldId id="287"/>
+          </p14:sldIdLst>
+        </p14:section>
         <p14:section name="Appendix" id="{3F78B471-41DA-46F2-A8E4-97E471896AB3}">
           <p14:sldIdLst/>
         </p14:section>
@@ -274,7 +286,7 @@
             <a:fld id="{D83FDC75-7F73-4A4A-A77C-09AADF00E0EA}" type="datetimeFigureOut">
               <a:rPr lang="en-US" smtClean="0"/>
               <a:pPr/>
-              <a:t>12/2/2012</a:t>
+              <a:t>12/4/2012</a:t>
             </a:fld>
             <a:endParaRPr lang="en-US" dirty="0"/>
           </a:p>
@@ -441,7 +453,7 @@
             <a:fld id="{48AEF76B-3757-4A0B-AF93-28494465C1DD}" type="datetimeFigureOut">
               <a:rPr lang="en-US" smtClean="0"/>
               <a:pPr/>
-              <a:t>12/2/2012</a:t>
+              <a:t>12/4/2012</a:t>
             </a:fld>
             <a:endParaRPr lang="en-US" dirty="0"/>
           </a:p>
@@ -2060,7 +2072,7 @@
             <a:fld id="{757B281C-5159-4971-8228-52B9A72E9ED2}" type="datetimeFigureOut">
               <a:rPr lang="en-US" smtClean="0"/>
               <a:pPr/>
-              <a:t>12/2/2012</a:t>
+              <a:t>12/4/2012</a:t>
             </a:fld>
             <a:endParaRPr lang="en-US" dirty="0"/>
           </a:p>
@@ -2162,7 +2174,7 @@
             <a:fld id="{757B281C-5159-4971-8228-52B9A72E9ED2}" type="datetimeFigureOut">
               <a:rPr lang="en-US" smtClean="0"/>
               <a:pPr/>
-              <a:t>12/2/2012</a:t>
+              <a:t>12/4/2012</a:t>
             </a:fld>
             <a:endParaRPr lang="en-US" dirty="0"/>
           </a:p>
@@ -2298,7 +2310,7 @@
             <a:fld id="{757B281C-5159-4971-8228-52B9A72E9ED2}" type="datetimeFigureOut">
               <a:rPr lang="en-US" smtClean="0"/>
               <a:pPr/>
-              <a:t>12/2/2012</a:t>
+              <a:t>12/4/2012</a:t>
             </a:fld>
             <a:endParaRPr lang="en-US" dirty="0"/>
           </a:p>
@@ -2504,7 +2516,7 @@
             <a:fld id="{757B281C-5159-4971-8228-52B9A72E9ED2}" type="datetimeFigureOut">
               <a:rPr lang="en-US" smtClean="0"/>
               <a:pPr/>
-              <a:t>12/2/2012</a:t>
+              <a:t>12/4/2012</a:t>
             </a:fld>
             <a:endParaRPr lang="en-US" dirty="0"/>
           </a:p>
@@ -2903,7 +2915,7 @@
             <a:fld id="{757B281C-5159-4971-8228-52B9A72E9ED2}" type="datetimeFigureOut">
               <a:rPr lang="en-US" smtClean="0"/>
               <a:pPr/>
-              <a:t>12/2/2012</a:t>
+              <a:t>12/4/2012</a:t>
             </a:fld>
             <a:endParaRPr lang="en-US" dirty="0"/>
           </a:p>
@@ -3203,7 +3215,7 @@
             <a:fld id="{757B281C-5159-4971-8228-52B9A72E9ED2}" type="datetimeFigureOut">
               <a:rPr lang="en-US" smtClean="0"/>
               <a:pPr/>
-              <a:t>12/2/2012</a:t>
+              <a:t>12/4/2012</a:t>
             </a:fld>
             <a:endParaRPr lang="en-US" dirty="0"/>
           </a:p>
@@ -3632,7 +3644,7 @@
             <a:fld id="{757B281C-5159-4971-8228-52B9A72E9ED2}" type="datetimeFigureOut">
               <a:rPr lang="en-US" smtClean="0"/>
               <a:pPr/>
-              <a:t>12/2/2012</a:t>
+              <a:t>12/4/2012</a:t>
             </a:fld>
             <a:endParaRPr lang="en-US" dirty="0"/>
           </a:p>
@@ -3909,7 +3921,7 @@
             <a:fld id="{757B281C-5159-4971-8228-52B9A72E9ED2}" type="datetimeFigureOut">
               <a:rPr lang="en-US" smtClean="0"/>
               <a:pPr/>
-              <a:t>12/2/2012</a:t>
+              <a:t>12/4/2012</a:t>
             </a:fld>
             <a:endParaRPr lang="en-US" dirty="0"/>
           </a:p>
@@ -4173,7 +4185,7 @@
             <a:fld id="{757B281C-5159-4971-8228-52B9A72E9ED2}" type="datetimeFigureOut">
               <a:rPr lang="en-US" smtClean="0"/>
               <a:pPr/>
-              <a:t>12/2/2012</a:t>
+              <a:t>12/4/2012</a:t>
             </a:fld>
             <a:endParaRPr lang="en-US" dirty="0"/>
           </a:p>
@@ -4343,7 +4355,7 @@
             <a:fld id="{757B281C-5159-4971-8228-52B9A72E9ED2}" type="datetimeFigureOut">
               <a:rPr lang="en-US" smtClean="0"/>
               <a:pPr/>
-              <a:t>12/2/2012</a:t>
+              <a:t>12/4/2012</a:t>
             </a:fld>
             <a:endParaRPr lang="en-US" dirty="0"/>
           </a:p>
@@ -4523,7 +4535,7 @@
             <a:fld id="{757B281C-5159-4971-8228-52B9A72E9ED2}" type="datetimeFigureOut">
               <a:rPr lang="en-US" smtClean="0"/>
               <a:pPr/>
-              <a:t>12/2/2012</a:t>
+              <a:t>12/4/2012</a:t>
             </a:fld>
             <a:endParaRPr lang="en-US" dirty="0"/>
           </a:p>
@@ -4765,7 +4777,7 @@
             <a:fld id="{757B281C-5159-4971-8228-52B9A72E9ED2}" type="datetimeFigureOut">
               <a:rPr lang="en-US" smtClean="0"/>
               <a:pPr/>
-              <a:t>12/2/2012</a:t>
+              <a:t>12/4/2012</a:t>
             </a:fld>
             <a:endParaRPr lang="en-US" dirty="0"/>
           </a:p>
@@ -9702,7 +9714,7 @@
         </p:spPr>
         <p:txBody>
           <a:bodyPr>
-            <a:normAutofit fontScale="62500" lnSpcReduction="20000"/>
+            <a:normAutofit fontScale="55000" lnSpcReduction="20000"/>
           </a:bodyPr>
           <a:lstStyle/>
           <a:p>
@@ -9726,6 +9738,14 @@
             </a:r>
           </a:p>
           <a:p>
+            <a:pPr lvl="1"/>
+            <a:r>
+              <a:rPr lang="en-US" dirty="0" smtClean="0"/>
+              <a:t>Simple Example (Classify Dogs and Cats)</a:t>
+            </a:r>
+            <a:endParaRPr lang="en-US" dirty="0" smtClean="0"/>
+          </a:p>
+          <a:p>
             <a:r>
               <a:rPr lang="en-US" dirty="0" smtClean="0"/>
               <a:t>Introduction to Bayes Theorem</a:t>
@@ -9742,8 +9762,20 @@
             <a:pPr lvl="1"/>
             <a:r>
               <a:rPr lang="en-US" dirty="0" smtClean="0"/>
-              <a:t>Example Usage</a:t>
-            </a:r>
+              <a:t>Example </a:t>
+            </a:r>
+            <a:r>
+              <a:rPr lang="en-US" dirty="0" smtClean="0"/>
+              <a:t>Usage (Da’ Bears)</a:t>
+            </a:r>
+          </a:p>
+          <a:p>
+            <a:pPr lvl="1"/>
+            <a:r>
+              <a:rPr lang="en-US" dirty="0" smtClean="0"/>
+              <a:t>Revisit Simple Example, Bayesian Style!</a:t>
+            </a:r>
+            <a:endParaRPr lang="en-US" dirty="0" smtClean="0"/>
           </a:p>
           <a:p>
             <a:r>
@@ -9789,18 +9821,24 @@
             <a:pPr lvl="1"/>
             <a:r>
               <a:rPr lang="en-US" dirty="0" smtClean="0"/>
-              <a:t>Assessing Classifier </a:t>
-            </a:r>
+              <a:t>Assessing Classifier Performance</a:t>
+            </a:r>
+          </a:p>
+          <a:p>
+            <a:pPr lvl="1"/>
             <a:r>
               <a:rPr lang="en-US" dirty="0" smtClean="0"/>
-              <a:t>Performance</a:t>
-            </a:r>
-          </a:p>
-          <a:p>
-            <a:pPr lvl="1"/>
+              <a:t>Limitations of Bayesian </a:t>
+            </a:r>
             <a:r>
               <a:rPr lang="en-US" dirty="0" smtClean="0"/>
-              <a:t>Limitations of Bayesian Classifiers</a:t>
+              <a:t>Classifiers</a:t>
+            </a:r>
+          </a:p>
+          <a:p>
+            <a:r>
+              <a:rPr lang="en-US" dirty="0" smtClean="0"/>
+              <a:t>Real World Example</a:t>
             </a:r>
             <a:endParaRPr lang="en-US" dirty="0"/>
           </a:p>
@@ -10348,16 +10386,18 @@
           </a:xfrm>
         </p:spPr>
         <p:txBody>
-          <a:bodyPr/>
+          <a:bodyPr>
+            <a:normAutofit fontScale="85000" lnSpcReduction="20000"/>
+          </a:bodyPr>
           <a:lstStyle/>
           <a:p>
             <a:r>
               <a:rPr lang="en-US" dirty="0" smtClean="0"/>
-              <a:t>Model performs </a:t>
-            </a:r>
-            <a:r>
-              <a:rPr lang="en-US" smtClean="0"/>
-              <a:t>very poorly </a:t>
+              <a:t>Model performs very poorly </a:t>
+            </a:r>
+            <a:r>
+              <a:rPr lang="en-US" dirty="0" smtClean="0"/>
+              <a:t>due to violation of independence assumption</a:t>
             </a:r>
             <a:endParaRPr lang="en-US" dirty="0"/>
           </a:p>
@@ -10465,6 +10505,1331 @@
     <p:extLst>
       <p:ext uri="{BB962C8B-B14F-4D97-AF65-F5344CB8AC3E}">
         <p14:creationId xmlns:p14="http://schemas.microsoft.com/office/powerpoint/2010/main" val="2710854922"/>
+      </p:ext>
+    </p:extLst>
+  </p:cSld>
+  <p:clrMapOvr>
+    <a:masterClrMapping/>
+  </p:clrMapOvr>
+  <p:transition spd="slow">
+    <p:wipe dir="d"/>
+  </p:transition>
+</p:sld>
+</file>
+
+<file path=ppt/slides/slide24.xml><?xml version="1.0" encoding="utf-8"?>
+<p:sld xmlns:a="http://schemas.openxmlformats.org/drawingml/2006/main" xmlns:r="http://schemas.openxmlformats.org/officeDocument/2006/relationships" xmlns:p="http://schemas.openxmlformats.org/presentationml/2006/main">
+  <p:cSld>
+    <p:spTree>
+      <p:nvGrpSpPr>
+        <p:cNvPr id="1" name=""/>
+        <p:cNvGrpSpPr/>
+        <p:nvPr/>
+      </p:nvGrpSpPr>
+      <p:grpSpPr>
+        <a:xfrm>
+          <a:off x="0" y="0"/>
+          <a:ext cx="0" cy="0"/>
+          <a:chOff x="0" y="0"/>
+          <a:chExt cx="0" cy="0"/>
+        </a:xfrm>
+      </p:grpSpPr>
+      <p:sp>
+        <p:nvSpPr>
+          <p:cNvPr id="2" name="Title 1"/>
+          <p:cNvSpPr>
+            <a:spLocks noGrp="1"/>
+          </p:cNvSpPr>
+          <p:nvPr>
+            <p:ph type="title"/>
+          </p:nvPr>
+        </p:nvSpPr>
+        <p:spPr/>
+        <p:txBody>
+          <a:bodyPr/>
+          <a:lstStyle/>
+          <a:p>
+            <a:r>
+              <a:rPr lang="en-US" dirty="0" smtClean="0"/>
+              <a:t>Real World Example </a:t>
+            </a:r>
+            <a:endParaRPr lang="en-US" dirty="0"/>
+          </a:p>
+        </p:txBody>
+      </p:sp>
+      <p:graphicFrame>
+        <p:nvGraphicFramePr>
+          <p:cNvPr id="4" name="Table 3"/>
+          <p:cNvGraphicFramePr>
+            <a:graphicFrameLocks noGrp="1"/>
+          </p:cNvGraphicFramePr>
+          <p:nvPr>
+            <p:extLst>
+              <p:ext uri="{D42A27DB-BD31-4B8C-83A1-F6EECF244321}">
+                <p14:modId xmlns:p14="http://schemas.microsoft.com/office/powerpoint/2010/main" val="3394085006"/>
+              </p:ext>
+            </p:extLst>
+          </p:nvPr>
+        </p:nvGraphicFramePr>
+        <p:xfrm>
+          <a:off x="841513" y="2335689"/>
+          <a:ext cx="7924800" cy="1855311"/>
+        </p:xfrm>
+        <a:graphic>
+          <a:graphicData uri="http://schemas.openxmlformats.org/drawingml/2006/table">
+            <a:tbl>
+              <a:tblPr/>
+              <a:tblGrid>
+                <a:gridCol w="1320800"/>
+                <a:gridCol w="1320800"/>
+                <a:gridCol w="1320800"/>
+                <a:gridCol w="1320800"/>
+                <a:gridCol w="1320800"/>
+                <a:gridCol w="1320800"/>
+              </a:tblGrid>
+              <a:tr h="685295">
+                <a:tc>
+                  <a:txBody>
+                    <a:bodyPr/>
+                    <a:lstStyle/>
+                    <a:p>
+                      <a:r>
+                        <a:rPr lang="en-US" sz="1200" b="1" dirty="0"/>
+                        <a:t>Data Set Characteristics:  </a:t>
+                      </a:r>
+                      <a:endParaRPr lang="en-US" sz="1200" dirty="0"/>
+                    </a:p>
+                  </a:txBody>
+                  <a:tcPr marL="57150" marR="57150" marT="57150" marB="57150" anchor="ctr">
+                    <a:lnL>
+                      <a:noFill/>
+                    </a:lnL>
+                    <a:lnR>
+                      <a:noFill/>
+                    </a:lnR>
+                    <a:lnT>
+                      <a:noFill/>
+                    </a:lnT>
+                    <a:lnB>
+                      <a:noFill/>
+                    </a:lnB>
+                    <a:solidFill>
+                      <a:srgbClr val="DDEEFF"/>
+                    </a:solidFill>
+                  </a:tcPr>
+                </a:tc>
+                <a:tc>
+                  <a:txBody>
+                    <a:bodyPr/>
+                    <a:lstStyle/>
+                    <a:p>
+                      <a:r>
+                        <a:rPr lang="en-US" sz="1200"/>
+                        <a:t>Multivariate</a:t>
+                      </a:r>
+                    </a:p>
+                  </a:txBody>
+                  <a:tcPr marL="57150" marR="57150" marT="57150" marB="57150" anchor="ctr">
+                    <a:lnL>
+                      <a:noFill/>
+                    </a:lnL>
+                    <a:lnR>
+                      <a:noFill/>
+                    </a:lnR>
+                    <a:lnT>
+                      <a:noFill/>
+                    </a:lnT>
+                    <a:lnB>
+                      <a:noFill/>
+                    </a:lnB>
+                  </a:tcPr>
+                </a:tc>
+                <a:tc>
+                  <a:txBody>
+                    <a:bodyPr/>
+                    <a:lstStyle/>
+                    <a:p>
+                      <a:r>
+                        <a:rPr lang="en-US" sz="1200" b="1"/>
+                        <a:t>Number of Instances:</a:t>
+                      </a:r>
+                      <a:endParaRPr lang="en-US" sz="1200"/>
+                    </a:p>
+                  </a:txBody>
+                  <a:tcPr marL="57150" marR="57150" marT="57150" marB="57150" anchor="ctr">
+                    <a:lnL>
+                      <a:noFill/>
+                    </a:lnL>
+                    <a:lnR>
+                      <a:noFill/>
+                    </a:lnR>
+                    <a:lnT>
+                      <a:noFill/>
+                    </a:lnT>
+                    <a:lnB>
+                      <a:noFill/>
+                    </a:lnB>
+                    <a:solidFill>
+                      <a:srgbClr val="DDEEFF"/>
+                    </a:solidFill>
+                  </a:tcPr>
+                </a:tc>
+                <a:tc>
+                  <a:txBody>
+                    <a:bodyPr/>
+                    <a:lstStyle/>
+                    <a:p>
+                      <a:r>
+                        <a:rPr lang="en-US" sz="1200" dirty="0"/>
+                        <a:t>48842</a:t>
+                      </a:r>
+                    </a:p>
+                  </a:txBody>
+                  <a:tcPr marL="57150" marR="57150" marT="57150" marB="57150" anchor="ctr">
+                    <a:lnL>
+                      <a:noFill/>
+                    </a:lnL>
+                    <a:lnR>
+                      <a:noFill/>
+                    </a:lnR>
+                    <a:lnT>
+                      <a:noFill/>
+                    </a:lnT>
+                    <a:lnB>
+                      <a:noFill/>
+                    </a:lnB>
+                  </a:tcPr>
+                </a:tc>
+                <a:tc>
+                  <a:txBody>
+                    <a:bodyPr/>
+                    <a:lstStyle/>
+                    <a:p>
+                      <a:r>
+                        <a:rPr lang="en-US" sz="1200" b="1"/>
+                        <a:t>Area:</a:t>
+                      </a:r>
+                      <a:endParaRPr lang="en-US" sz="1200"/>
+                    </a:p>
+                  </a:txBody>
+                  <a:tcPr marL="57150" marR="57150" marT="57150" marB="57150" anchor="ctr">
+                    <a:lnL>
+                      <a:noFill/>
+                    </a:lnL>
+                    <a:lnR>
+                      <a:noFill/>
+                    </a:lnR>
+                    <a:lnT>
+                      <a:noFill/>
+                    </a:lnT>
+                    <a:lnB>
+                      <a:noFill/>
+                    </a:lnB>
+                    <a:solidFill>
+                      <a:srgbClr val="DDEEFF"/>
+                    </a:solidFill>
+                  </a:tcPr>
+                </a:tc>
+                <a:tc>
+                  <a:txBody>
+                    <a:bodyPr/>
+                    <a:lstStyle/>
+                    <a:p>
+                      <a:r>
+                        <a:rPr lang="en-US" sz="1200"/>
+                        <a:t>Social</a:t>
+                      </a:r>
+                    </a:p>
+                  </a:txBody>
+                  <a:tcPr marL="57150" marR="57150" marT="57150" marB="57150" anchor="ctr">
+                    <a:lnL>
+                      <a:noFill/>
+                    </a:lnL>
+                    <a:lnR>
+                      <a:noFill/>
+                    </a:lnR>
+                    <a:lnT>
+                      <a:noFill/>
+                    </a:lnT>
+                    <a:lnB>
+                      <a:noFill/>
+                    </a:lnB>
+                  </a:tcPr>
+                </a:tc>
+              </a:tr>
+              <a:tr h="685295">
+                <a:tc>
+                  <a:txBody>
+                    <a:bodyPr/>
+                    <a:lstStyle/>
+                    <a:p>
+                      <a:r>
+                        <a:rPr lang="en-US" sz="1200" b="1"/>
+                        <a:t>Attribute Characteristics:</a:t>
+                      </a:r>
+                      <a:endParaRPr lang="en-US" sz="1200"/>
+                    </a:p>
+                  </a:txBody>
+                  <a:tcPr marL="57150" marR="57150" marT="57150" marB="57150" anchor="ctr">
+                    <a:lnL>
+                      <a:noFill/>
+                    </a:lnL>
+                    <a:lnR>
+                      <a:noFill/>
+                    </a:lnR>
+                    <a:lnT>
+                      <a:noFill/>
+                    </a:lnT>
+                    <a:lnB>
+                      <a:noFill/>
+                    </a:lnB>
+                    <a:solidFill>
+                      <a:srgbClr val="DDEEFF"/>
+                    </a:solidFill>
+                  </a:tcPr>
+                </a:tc>
+                <a:tc>
+                  <a:txBody>
+                    <a:bodyPr/>
+                    <a:lstStyle/>
+                    <a:p>
+                      <a:r>
+                        <a:rPr lang="en-US" sz="1200"/>
+                        <a:t>Categorical, Integer</a:t>
+                      </a:r>
+                    </a:p>
+                  </a:txBody>
+                  <a:tcPr marL="57150" marR="57150" marT="57150" marB="57150" anchor="ctr">
+                    <a:lnL>
+                      <a:noFill/>
+                    </a:lnL>
+                    <a:lnR>
+                      <a:noFill/>
+                    </a:lnR>
+                    <a:lnT>
+                      <a:noFill/>
+                    </a:lnT>
+                    <a:lnB>
+                      <a:noFill/>
+                    </a:lnB>
+                  </a:tcPr>
+                </a:tc>
+                <a:tc>
+                  <a:txBody>
+                    <a:bodyPr/>
+                    <a:lstStyle/>
+                    <a:p>
+                      <a:r>
+                        <a:rPr lang="en-US" sz="1200" b="1"/>
+                        <a:t>Number of Attributes:</a:t>
+                      </a:r>
+                      <a:endParaRPr lang="en-US" sz="1200"/>
+                    </a:p>
+                  </a:txBody>
+                  <a:tcPr marL="57150" marR="57150" marT="57150" marB="57150" anchor="ctr">
+                    <a:lnL>
+                      <a:noFill/>
+                    </a:lnL>
+                    <a:lnR>
+                      <a:noFill/>
+                    </a:lnR>
+                    <a:lnT>
+                      <a:noFill/>
+                    </a:lnT>
+                    <a:lnB>
+                      <a:noFill/>
+                    </a:lnB>
+                    <a:solidFill>
+                      <a:srgbClr val="DDEEFF"/>
+                    </a:solidFill>
+                  </a:tcPr>
+                </a:tc>
+                <a:tc>
+                  <a:txBody>
+                    <a:bodyPr/>
+                    <a:lstStyle/>
+                    <a:p>
+                      <a:r>
+                        <a:rPr lang="en-US" sz="1200"/>
+                        <a:t>14</a:t>
+                      </a:r>
+                    </a:p>
+                  </a:txBody>
+                  <a:tcPr marL="57150" marR="57150" marT="57150" marB="57150" anchor="ctr">
+                    <a:lnL>
+                      <a:noFill/>
+                    </a:lnL>
+                    <a:lnR>
+                      <a:noFill/>
+                    </a:lnR>
+                    <a:lnT>
+                      <a:noFill/>
+                    </a:lnT>
+                    <a:lnB>
+                      <a:noFill/>
+                    </a:lnB>
+                  </a:tcPr>
+                </a:tc>
+                <a:tc>
+                  <a:txBody>
+                    <a:bodyPr/>
+                    <a:lstStyle/>
+                    <a:p>
+                      <a:r>
+                        <a:rPr lang="en-US" sz="1200" b="1"/>
+                        <a:t>Date Donated</a:t>
+                      </a:r>
+                      <a:endParaRPr lang="en-US" sz="1200"/>
+                    </a:p>
+                  </a:txBody>
+                  <a:tcPr marL="57150" marR="57150" marT="57150" marB="57150" anchor="ctr">
+                    <a:lnL>
+                      <a:noFill/>
+                    </a:lnL>
+                    <a:lnR>
+                      <a:noFill/>
+                    </a:lnR>
+                    <a:lnT>
+                      <a:noFill/>
+                    </a:lnT>
+                    <a:lnB>
+                      <a:noFill/>
+                    </a:lnB>
+                    <a:solidFill>
+                      <a:srgbClr val="DDEEFF"/>
+                    </a:solidFill>
+                  </a:tcPr>
+                </a:tc>
+                <a:tc>
+                  <a:txBody>
+                    <a:bodyPr/>
+                    <a:lstStyle/>
+                    <a:p>
+                      <a:r>
+                        <a:rPr lang="en-US" sz="1200"/>
+                        <a:t>1996-05-01</a:t>
+                      </a:r>
+                    </a:p>
+                  </a:txBody>
+                  <a:tcPr marL="57150" marR="57150" marT="57150" marB="57150" anchor="ctr">
+                    <a:lnL>
+                      <a:noFill/>
+                    </a:lnL>
+                    <a:lnR>
+                      <a:noFill/>
+                    </a:lnR>
+                    <a:lnT>
+                      <a:noFill/>
+                    </a:lnT>
+                    <a:lnB>
+                      <a:noFill/>
+                    </a:lnB>
+                  </a:tcPr>
+                </a:tc>
+              </a:tr>
+              <a:tr h="484721">
+                <a:tc>
+                  <a:txBody>
+                    <a:bodyPr/>
+                    <a:lstStyle/>
+                    <a:p>
+                      <a:r>
+                        <a:rPr lang="en-US" sz="1200" b="1"/>
+                        <a:t>Associated Tasks:</a:t>
+                      </a:r>
+                      <a:endParaRPr lang="en-US" sz="1200"/>
+                    </a:p>
+                  </a:txBody>
+                  <a:tcPr marL="57150" marR="57150" marT="57150" marB="57150" anchor="ctr">
+                    <a:lnL>
+                      <a:noFill/>
+                    </a:lnL>
+                    <a:lnR>
+                      <a:noFill/>
+                    </a:lnR>
+                    <a:lnT>
+                      <a:noFill/>
+                    </a:lnT>
+                    <a:lnB>
+                      <a:noFill/>
+                    </a:lnB>
+                    <a:solidFill>
+                      <a:srgbClr val="DDEEFF"/>
+                    </a:solidFill>
+                  </a:tcPr>
+                </a:tc>
+                <a:tc>
+                  <a:txBody>
+                    <a:bodyPr/>
+                    <a:lstStyle/>
+                    <a:p>
+                      <a:r>
+                        <a:rPr lang="en-US" sz="1200"/>
+                        <a:t>Classification</a:t>
+                      </a:r>
+                    </a:p>
+                  </a:txBody>
+                  <a:tcPr marL="57150" marR="57150" marT="57150" marB="57150" anchor="ctr">
+                    <a:lnL>
+                      <a:noFill/>
+                    </a:lnL>
+                    <a:lnR>
+                      <a:noFill/>
+                    </a:lnR>
+                    <a:lnT>
+                      <a:noFill/>
+                    </a:lnT>
+                    <a:lnB>
+                      <a:noFill/>
+                    </a:lnB>
+                  </a:tcPr>
+                </a:tc>
+                <a:tc>
+                  <a:txBody>
+                    <a:bodyPr/>
+                    <a:lstStyle/>
+                    <a:p>
+                      <a:r>
+                        <a:rPr lang="en-US" sz="1200" b="1"/>
+                        <a:t>Missing Values?</a:t>
+                      </a:r>
+                      <a:endParaRPr lang="en-US" sz="1200"/>
+                    </a:p>
+                  </a:txBody>
+                  <a:tcPr marL="57150" marR="57150" marT="57150" marB="57150" anchor="ctr">
+                    <a:lnL>
+                      <a:noFill/>
+                    </a:lnL>
+                    <a:lnR>
+                      <a:noFill/>
+                    </a:lnR>
+                    <a:lnT>
+                      <a:noFill/>
+                    </a:lnT>
+                    <a:lnB>
+                      <a:noFill/>
+                    </a:lnB>
+                    <a:solidFill>
+                      <a:srgbClr val="DDEEFF"/>
+                    </a:solidFill>
+                  </a:tcPr>
+                </a:tc>
+                <a:tc>
+                  <a:txBody>
+                    <a:bodyPr/>
+                    <a:lstStyle/>
+                    <a:p>
+                      <a:r>
+                        <a:rPr lang="en-US" sz="1200"/>
+                        <a:t>Yes</a:t>
+                      </a:r>
+                    </a:p>
+                  </a:txBody>
+                  <a:tcPr marL="57150" marR="57150" marT="57150" marB="57150" anchor="ctr">
+                    <a:lnL>
+                      <a:noFill/>
+                    </a:lnL>
+                    <a:lnR>
+                      <a:noFill/>
+                    </a:lnR>
+                    <a:lnT>
+                      <a:noFill/>
+                    </a:lnT>
+                    <a:lnB>
+                      <a:noFill/>
+                    </a:lnB>
+                  </a:tcPr>
+                </a:tc>
+                <a:tc>
+                  <a:txBody>
+                    <a:bodyPr/>
+                    <a:lstStyle/>
+                    <a:p>
+                      <a:r>
+                        <a:rPr lang="en-US" sz="1200" b="1" dirty="0"/>
+                        <a:t>Number of Web Hits:</a:t>
+                      </a:r>
+                      <a:endParaRPr lang="en-US" sz="1200" dirty="0"/>
+                    </a:p>
+                  </a:txBody>
+                  <a:tcPr marL="57150" marR="57150" marT="57150" marB="57150" anchor="ctr">
+                    <a:lnL>
+                      <a:noFill/>
+                    </a:lnL>
+                    <a:lnR>
+                      <a:noFill/>
+                    </a:lnR>
+                    <a:lnT>
+                      <a:noFill/>
+                    </a:lnT>
+                    <a:lnB>
+                      <a:noFill/>
+                    </a:lnB>
+                    <a:solidFill>
+                      <a:srgbClr val="DDEEFF"/>
+                    </a:solidFill>
+                  </a:tcPr>
+                </a:tc>
+                <a:tc>
+                  <a:txBody>
+                    <a:bodyPr/>
+                    <a:lstStyle/>
+                    <a:p>
+                      <a:r>
+                        <a:rPr lang="en-US" sz="1200" dirty="0"/>
+                        <a:t>272000</a:t>
+                      </a:r>
+                    </a:p>
+                  </a:txBody>
+                  <a:tcPr marL="57150" marR="57150" marT="57150" marB="57150" anchor="ctr">
+                    <a:lnL>
+                      <a:noFill/>
+                    </a:lnL>
+                    <a:lnR>
+                      <a:noFill/>
+                    </a:lnR>
+                    <a:lnT>
+                      <a:noFill/>
+                    </a:lnT>
+                    <a:lnB>
+                      <a:noFill/>
+                    </a:lnB>
+                  </a:tcPr>
+                </a:tc>
+              </a:tr>
+            </a:tbl>
+          </a:graphicData>
+        </a:graphic>
+      </p:graphicFrame>
+      <p:sp>
+        <p:nvSpPr>
+          <p:cNvPr id="6" name="TextBox 5"/>
+          <p:cNvSpPr txBox="1"/>
+          <p:nvPr/>
+        </p:nvSpPr>
+        <p:spPr>
+          <a:xfrm>
+            <a:off x="838200" y="1295400"/>
+            <a:ext cx="7848600" cy="369332"/>
+          </a:xfrm>
+          <a:prstGeom prst="rect">
+            <a:avLst/>
+          </a:prstGeom>
+          <a:noFill/>
+        </p:spPr>
+        <p:txBody>
+          <a:bodyPr wrap="square" rtlCol="0">
+            <a:spAutoFit/>
+          </a:bodyPr>
+          <a:lstStyle/>
+          <a:p>
+            <a:r>
+              <a:rPr lang="en-US" dirty="0"/>
+              <a:t>Objective: Predict whether income exceeds $50K/</a:t>
+            </a:r>
+            <a:r>
+              <a:rPr lang="en-US" dirty="0" err="1"/>
+              <a:t>yr</a:t>
+            </a:r>
+            <a:r>
+              <a:rPr lang="en-US" dirty="0"/>
+              <a:t> based on 1994 census </a:t>
+            </a:r>
+            <a:r>
+              <a:rPr lang="en-US" dirty="0" smtClean="0"/>
+              <a:t>data</a:t>
+            </a:r>
+            <a:endParaRPr lang="en-US" dirty="0"/>
+          </a:p>
+        </p:txBody>
+      </p:sp>
+    </p:spTree>
+    <p:extLst>
+      <p:ext uri="{BB962C8B-B14F-4D97-AF65-F5344CB8AC3E}">
+        <p14:creationId xmlns:p14="http://schemas.microsoft.com/office/powerpoint/2010/main" val="3565143176"/>
+      </p:ext>
+    </p:extLst>
+  </p:cSld>
+  <p:clrMapOvr>
+    <a:masterClrMapping/>
+  </p:clrMapOvr>
+  <p:transition spd="slow">
+    <p:wipe dir="d"/>
+  </p:transition>
+</p:sld>
+</file>
+
+<file path=ppt/slides/slide25.xml><?xml version="1.0" encoding="utf-8"?>
+<p:sld xmlns:a="http://schemas.openxmlformats.org/drawingml/2006/main" xmlns:r="http://schemas.openxmlformats.org/officeDocument/2006/relationships" xmlns:p="http://schemas.openxmlformats.org/presentationml/2006/main">
+  <p:cSld>
+    <p:spTree>
+      <p:nvGrpSpPr>
+        <p:cNvPr id="1" name=""/>
+        <p:cNvGrpSpPr/>
+        <p:nvPr/>
+      </p:nvGrpSpPr>
+      <p:grpSpPr>
+        <a:xfrm>
+          <a:off x="0" y="0"/>
+          <a:ext cx="0" cy="0"/>
+          <a:chOff x="0" y="0"/>
+          <a:chExt cx="0" cy="0"/>
+        </a:xfrm>
+      </p:grpSpPr>
+      <p:sp>
+        <p:nvSpPr>
+          <p:cNvPr id="4" name="Content Placeholder 2"/>
+          <p:cNvSpPr>
+            <a:spLocks noGrp="1"/>
+          </p:cNvSpPr>
+          <p:nvPr>
+            <p:ph idx="1"/>
+          </p:nvPr>
+        </p:nvSpPr>
+        <p:spPr>
+          <a:xfrm>
+            <a:off x="685800" y="1295400"/>
+            <a:ext cx="8077200" cy="5257800"/>
+          </a:xfrm>
+        </p:spPr>
+        <p:txBody>
+          <a:bodyPr>
+            <a:noAutofit/>
+          </a:bodyPr>
+          <a:lstStyle/>
+          <a:p>
+            <a:pPr marL="0" indent="0">
+              <a:buNone/>
+            </a:pPr>
+            <a:r>
+              <a:rPr lang="en-US" sz="1400" dirty="0" smtClean="0"/>
+              <a:t>Variables:</a:t>
+            </a:r>
+          </a:p>
+          <a:p>
+            <a:pPr marL="514350" indent="-514350">
+              <a:buAutoNum type="arabicPeriod"/>
+            </a:pPr>
+            <a:r>
+              <a:rPr lang="en-US" sz="1400" dirty="0" smtClean="0"/>
+              <a:t>Income: &gt;50k, &lt;= 50k</a:t>
+            </a:r>
+          </a:p>
+          <a:p>
+            <a:pPr marL="514350" indent="-514350">
+              <a:buAutoNum type="arabicPeriod"/>
+            </a:pPr>
+            <a:r>
+              <a:rPr lang="en-US" sz="1400" dirty="0" smtClean="0"/>
+              <a:t>Age</a:t>
+            </a:r>
+          </a:p>
+          <a:p>
+            <a:pPr marL="514350" indent="-514350">
+              <a:buAutoNum type="arabicPeriod"/>
+            </a:pPr>
+            <a:r>
+              <a:rPr lang="en-US" sz="1400" dirty="0" err="1" smtClean="0"/>
+              <a:t>Workclass</a:t>
+            </a:r>
+            <a:r>
+              <a:rPr lang="en-US" sz="1400" dirty="0"/>
+              <a:t>: Private, Self-</a:t>
+            </a:r>
+            <a:r>
+              <a:rPr lang="en-US" sz="1400" dirty="0" err="1"/>
+              <a:t>emp</a:t>
+            </a:r>
+            <a:r>
+              <a:rPr lang="en-US" sz="1400" dirty="0"/>
+              <a:t>-not-</a:t>
+            </a:r>
+            <a:r>
+              <a:rPr lang="en-US" sz="1400" dirty="0" err="1"/>
+              <a:t>inc</a:t>
+            </a:r>
+            <a:r>
+              <a:rPr lang="en-US" sz="1400" dirty="0"/>
+              <a:t>, Self-</a:t>
+            </a:r>
+            <a:r>
+              <a:rPr lang="en-US" sz="1400" dirty="0" err="1"/>
+              <a:t>emp</a:t>
+            </a:r>
+            <a:r>
+              <a:rPr lang="en-US" sz="1400" dirty="0"/>
+              <a:t>-</a:t>
+            </a:r>
+            <a:r>
+              <a:rPr lang="en-US" sz="1400" dirty="0" err="1"/>
+              <a:t>inc</a:t>
+            </a:r>
+            <a:r>
+              <a:rPr lang="en-US" sz="1400" dirty="0"/>
+              <a:t>, Federal-</a:t>
+            </a:r>
+            <a:r>
+              <a:rPr lang="en-US" sz="1400" dirty="0" err="1"/>
+              <a:t>gov</a:t>
+            </a:r>
+            <a:r>
+              <a:rPr lang="en-US" sz="1400" dirty="0"/>
+              <a:t>, Local-</a:t>
+            </a:r>
+            <a:r>
+              <a:rPr lang="en-US" sz="1400" dirty="0" err="1"/>
+              <a:t>gov</a:t>
+            </a:r>
+            <a:r>
+              <a:rPr lang="en-US" sz="1400" dirty="0"/>
+              <a:t>, State-</a:t>
+            </a:r>
+            <a:r>
+              <a:rPr lang="en-US" sz="1400" dirty="0" err="1"/>
+              <a:t>gov</a:t>
+            </a:r>
+            <a:r>
+              <a:rPr lang="en-US" sz="1400" dirty="0"/>
+              <a:t>, Without-pay, Never-worked. </a:t>
+            </a:r>
+            <a:endParaRPr lang="en-US" sz="1400" dirty="0" smtClean="0"/>
+          </a:p>
+          <a:p>
+            <a:pPr marL="514350" indent="-514350">
+              <a:buAutoNum type="arabicPeriod"/>
+            </a:pPr>
+            <a:r>
+              <a:rPr lang="en-US" sz="1400" dirty="0" err="1"/>
+              <a:t>F</a:t>
+            </a:r>
+            <a:r>
+              <a:rPr lang="en-US" sz="1400" dirty="0" err="1" smtClean="0"/>
+              <a:t>nlwgt</a:t>
+            </a:r>
+            <a:r>
+              <a:rPr lang="en-US" sz="1400" dirty="0" smtClean="0"/>
+              <a:t>: Weighting to reflect sample bias</a:t>
+            </a:r>
+            <a:endParaRPr lang="en-US" sz="1400" dirty="0"/>
+          </a:p>
+          <a:p>
+            <a:pPr marL="514350" indent="-514350">
+              <a:buAutoNum type="arabicPeriod"/>
+            </a:pPr>
+            <a:r>
+              <a:rPr lang="en-US" sz="1400" dirty="0"/>
+              <a:t>E</a:t>
+            </a:r>
+            <a:r>
+              <a:rPr lang="en-US" sz="1400" dirty="0" smtClean="0"/>
+              <a:t>ducation</a:t>
+            </a:r>
+            <a:r>
+              <a:rPr lang="en-US" sz="1400" dirty="0"/>
+              <a:t>: Bachelors, Some-college, 11th, HS-grad, Prof-school, </a:t>
+            </a:r>
+            <a:r>
+              <a:rPr lang="en-US" sz="1400" dirty="0" err="1"/>
+              <a:t>Assoc-acdm</a:t>
+            </a:r>
+            <a:r>
+              <a:rPr lang="en-US" sz="1400" dirty="0"/>
+              <a:t>, </a:t>
+            </a:r>
+            <a:r>
+              <a:rPr lang="en-US" sz="1400" dirty="0" err="1"/>
+              <a:t>Assoc-voc</a:t>
+            </a:r>
+            <a:r>
+              <a:rPr lang="en-US" sz="1400" dirty="0"/>
+              <a:t>, 9th, 7th-8th, 12th, Masters, 1st-4th, 10th, Doctorate, 5th-6th, Preschool. </a:t>
+            </a:r>
+            <a:endParaRPr lang="en-US" sz="1400" dirty="0" smtClean="0"/>
+          </a:p>
+          <a:p>
+            <a:pPr marL="514350" indent="-514350">
+              <a:buAutoNum type="arabicPeriod"/>
+            </a:pPr>
+            <a:r>
+              <a:rPr lang="en-US" sz="1400" dirty="0" smtClean="0"/>
+              <a:t>Education-</a:t>
+            </a:r>
+            <a:r>
+              <a:rPr lang="en-US" sz="1400" dirty="0" err="1" smtClean="0"/>
+              <a:t>num</a:t>
+            </a:r>
+            <a:r>
+              <a:rPr lang="en-US" sz="1400" dirty="0"/>
+              <a:t>: </a:t>
+            </a:r>
+            <a:r>
+              <a:rPr lang="en-US" sz="1400" dirty="0" smtClean="0"/>
+              <a:t>Number of Years of School. </a:t>
+            </a:r>
+          </a:p>
+          <a:p>
+            <a:pPr marL="514350" indent="-514350">
+              <a:buAutoNum type="arabicPeriod"/>
+            </a:pPr>
+            <a:r>
+              <a:rPr lang="en-US" sz="1400" dirty="0"/>
+              <a:t>M</a:t>
+            </a:r>
+            <a:r>
+              <a:rPr lang="en-US" sz="1400" dirty="0" smtClean="0"/>
+              <a:t>arital-status</a:t>
+            </a:r>
+            <a:r>
+              <a:rPr lang="en-US" sz="1400" dirty="0"/>
+              <a:t>: Married-civ-spouse, Divorced, Never-married, Separated, Widowed, Married-spouse-absent, Married-AF-spouse. </a:t>
+            </a:r>
+            <a:endParaRPr lang="en-US" sz="1400" dirty="0" smtClean="0"/>
+          </a:p>
+          <a:p>
+            <a:pPr marL="514350" indent="-514350">
+              <a:buAutoNum type="arabicPeriod"/>
+            </a:pPr>
+            <a:r>
+              <a:rPr lang="en-US" sz="1400" dirty="0" err="1"/>
+              <a:t>O</a:t>
+            </a:r>
+            <a:r>
+              <a:rPr lang="en-US" sz="1400" dirty="0" err="1" smtClean="0"/>
+              <a:t>cupation</a:t>
+            </a:r>
+            <a:r>
+              <a:rPr lang="en-US" sz="1400" dirty="0"/>
+              <a:t>: Tech-support, Craft-repair, Other-service, Sales, Exec-managerial, Prof-specialty, Handlers-cleaners, Machine-op-</a:t>
+            </a:r>
+            <a:r>
+              <a:rPr lang="en-US" sz="1400" dirty="0" err="1"/>
+              <a:t>inspct</a:t>
+            </a:r>
+            <a:r>
+              <a:rPr lang="en-US" sz="1400" dirty="0"/>
+              <a:t>, </a:t>
+            </a:r>
+            <a:r>
+              <a:rPr lang="en-US" sz="1400" dirty="0" err="1"/>
+              <a:t>Adm</a:t>
+            </a:r>
+            <a:r>
+              <a:rPr lang="en-US" sz="1400" dirty="0"/>
+              <a:t>-clerical, Farming-fishing, Transport-moving, </a:t>
+            </a:r>
+            <a:r>
+              <a:rPr lang="en-US" sz="1400" dirty="0" err="1"/>
+              <a:t>Priv</a:t>
+            </a:r>
+            <a:r>
+              <a:rPr lang="en-US" sz="1400" dirty="0"/>
+              <a:t>-house-</a:t>
+            </a:r>
+            <a:r>
+              <a:rPr lang="en-US" sz="1400" dirty="0" err="1"/>
+              <a:t>serv</a:t>
+            </a:r>
+            <a:r>
+              <a:rPr lang="en-US" sz="1400" dirty="0"/>
+              <a:t>, Protective-</a:t>
+            </a:r>
+            <a:r>
+              <a:rPr lang="en-US" sz="1400" dirty="0" err="1"/>
+              <a:t>serv</a:t>
+            </a:r>
+            <a:r>
+              <a:rPr lang="en-US" sz="1400" dirty="0"/>
+              <a:t>, Armed-Forces. </a:t>
+            </a:r>
+            <a:endParaRPr lang="en-US" sz="1400" dirty="0" smtClean="0"/>
+          </a:p>
+          <a:p>
+            <a:pPr marL="514350" indent="-514350">
+              <a:buAutoNum type="arabicPeriod"/>
+            </a:pPr>
+            <a:r>
+              <a:rPr lang="en-US" sz="1400" dirty="0"/>
+              <a:t>R</a:t>
+            </a:r>
+            <a:r>
+              <a:rPr lang="en-US" sz="1400" dirty="0" smtClean="0"/>
+              <a:t>elationship</a:t>
+            </a:r>
+            <a:r>
+              <a:rPr lang="en-US" sz="1400" dirty="0"/>
+              <a:t>: Wife, Own-child, Husband, Not-in-family, Other-relative, Unmarried. </a:t>
+            </a:r>
+            <a:endParaRPr lang="en-US" sz="1400" dirty="0" smtClean="0"/>
+          </a:p>
+          <a:p>
+            <a:pPr marL="514350" indent="-514350">
+              <a:buAutoNum type="arabicPeriod"/>
+            </a:pPr>
+            <a:r>
+              <a:rPr lang="en-US" sz="1400" dirty="0"/>
+              <a:t>R</a:t>
+            </a:r>
+            <a:r>
+              <a:rPr lang="en-US" sz="1400" dirty="0" smtClean="0"/>
+              <a:t>ace</a:t>
+            </a:r>
+            <a:r>
+              <a:rPr lang="en-US" sz="1400" dirty="0"/>
+              <a:t>: White, Asian-Pac-Islander, </a:t>
+            </a:r>
+            <a:r>
+              <a:rPr lang="en-US" sz="1400" dirty="0" err="1"/>
+              <a:t>Amer</a:t>
+            </a:r>
+            <a:r>
+              <a:rPr lang="en-US" sz="1400" dirty="0"/>
+              <a:t>-Indian-Eskimo, Other, Black. </a:t>
+            </a:r>
+            <a:endParaRPr lang="en-US" sz="1400" dirty="0" smtClean="0"/>
+          </a:p>
+          <a:p>
+            <a:pPr marL="514350" indent="-514350">
+              <a:buAutoNum type="arabicPeriod"/>
+            </a:pPr>
+            <a:r>
+              <a:rPr lang="en-US" sz="1400" dirty="0"/>
+              <a:t>S</a:t>
+            </a:r>
+            <a:r>
+              <a:rPr lang="en-US" sz="1400" dirty="0" smtClean="0"/>
+              <a:t>ex</a:t>
+            </a:r>
+            <a:r>
+              <a:rPr lang="en-US" sz="1400" dirty="0"/>
+              <a:t>: Female, Male. </a:t>
+            </a:r>
+            <a:endParaRPr lang="en-US" sz="1400" dirty="0" smtClean="0"/>
+          </a:p>
+          <a:p>
+            <a:pPr marL="514350" indent="-514350">
+              <a:buAutoNum type="arabicPeriod"/>
+            </a:pPr>
+            <a:r>
+              <a:rPr lang="en-US" sz="1400" dirty="0" smtClean="0"/>
+              <a:t>Capital-gain</a:t>
+            </a:r>
+          </a:p>
+          <a:p>
+            <a:pPr marL="514350" indent="-514350">
+              <a:buAutoNum type="arabicPeriod"/>
+            </a:pPr>
+            <a:r>
+              <a:rPr lang="en-US" sz="1400" dirty="0" smtClean="0"/>
+              <a:t>Capital-loss</a:t>
+            </a:r>
+          </a:p>
+          <a:p>
+            <a:pPr marL="514350" indent="-514350">
+              <a:buAutoNum type="arabicPeriod"/>
+            </a:pPr>
+            <a:r>
+              <a:rPr lang="en-US" sz="1400" dirty="0" smtClean="0"/>
+              <a:t>Hours-per-week</a:t>
+            </a:r>
+          </a:p>
+          <a:p>
+            <a:pPr marL="514350" indent="-514350">
+              <a:buAutoNum type="arabicPeriod"/>
+            </a:pPr>
+            <a:r>
+              <a:rPr lang="en-US" sz="1400" dirty="0" smtClean="0"/>
+              <a:t>Native-country</a:t>
+            </a:r>
+            <a:endParaRPr lang="en-US" sz="1400" dirty="0"/>
+          </a:p>
+        </p:txBody>
+      </p:sp>
+      <p:sp>
+        <p:nvSpPr>
+          <p:cNvPr id="5" name="Title 1"/>
+          <p:cNvSpPr>
+            <a:spLocks noGrp="1"/>
+          </p:cNvSpPr>
+          <p:nvPr>
+            <p:ph type="title"/>
+          </p:nvPr>
+        </p:nvSpPr>
+        <p:spPr/>
+        <p:txBody>
+          <a:bodyPr/>
+          <a:lstStyle/>
+          <a:p>
+            <a:r>
+              <a:rPr lang="en-US" dirty="0" smtClean="0"/>
+              <a:t>Real World Example </a:t>
+            </a:r>
+            <a:endParaRPr lang="en-US" dirty="0"/>
+          </a:p>
+        </p:txBody>
+      </p:sp>
+    </p:spTree>
+    <p:extLst>
+      <p:ext uri="{BB962C8B-B14F-4D97-AF65-F5344CB8AC3E}">
+        <p14:creationId xmlns:p14="http://schemas.microsoft.com/office/powerpoint/2010/main" val="602292547"/>
+      </p:ext>
+    </p:extLst>
+  </p:cSld>
+  <p:clrMapOvr>
+    <a:masterClrMapping/>
+  </p:clrMapOvr>
+  <p:transition spd="slow">
+    <p:wipe dir="d"/>
+  </p:transition>
+</p:sld>
+</file>
+
+<file path=ppt/slides/slide26.xml><?xml version="1.0" encoding="utf-8"?>
+<p:sld xmlns:a="http://schemas.openxmlformats.org/drawingml/2006/main" xmlns:r="http://schemas.openxmlformats.org/officeDocument/2006/relationships" xmlns:p="http://schemas.openxmlformats.org/presentationml/2006/main">
+  <p:cSld>
+    <p:spTree>
+      <p:nvGrpSpPr>
+        <p:cNvPr id="1" name=""/>
+        <p:cNvGrpSpPr/>
+        <p:nvPr/>
+      </p:nvGrpSpPr>
+      <p:grpSpPr>
+        <a:xfrm>
+          <a:off x="0" y="0"/>
+          <a:ext cx="0" cy="0"/>
+          <a:chOff x="0" y="0"/>
+          <a:chExt cx="0" cy="0"/>
+        </a:xfrm>
+      </p:grpSpPr>
+      <p:sp>
+        <p:nvSpPr>
+          <p:cNvPr id="3" name="Content Placeholder 2"/>
+          <p:cNvSpPr>
+            <a:spLocks noGrp="1"/>
+          </p:cNvSpPr>
+          <p:nvPr>
+            <p:ph idx="1"/>
+          </p:nvPr>
+        </p:nvSpPr>
+        <p:spPr>
+          <a:xfrm>
+            <a:off x="762000" y="1219201"/>
+            <a:ext cx="8077200" cy="5105400"/>
+          </a:xfrm>
+        </p:spPr>
+        <p:txBody>
+          <a:bodyPr>
+            <a:normAutofit fontScale="92500" lnSpcReduction="20000"/>
+          </a:bodyPr>
+          <a:lstStyle/>
+          <a:p>
+            <a:pPr marL="0" indent="0">
+              <a:buNone/>
+            </a:pPr>
+            <a:r>
+              <a:rPr lang="en-US" dirty="0" smtClean="0"/>
+              <a:t>Notes:</a:t>
+            </a:r>
+          </a:p>
+          <a:p>
+            <a:pPr marL="514350" indent="-514350">
+              <a:buAutoNum type="arabicPeriod"/>
+            </a:pPr>
+            <a:r>
+              <a:rPr lang="en-US" dirty="0" smtClean="0"/>
+              <a:t>Data was not cleaned to test robustness of Naïve Bayes</a:t>
+            </a:r>
+          </a:p>
+          <a:p>
+            <a:pPr marL="514350" indent="-514350">
+              <a:buAutoNum type="arabicPeriod"/>
+            </a:pPr>
+            <a:r>
+              <a:rPr lang="en-US" dirty="0" smtClean="0"/>
+              <a:t>No variable selection techniques were employed</a:t>
+            </a:r>
+          </a:p>
+          <a:p>
+            <a:pPr marL="514350" indent="-514350">
+              <a:buAutoNum type="arabicPeriod"/>
+            </a:pPr>
+            <a:r>
+              <a:rPr lang="en-US" dirty="0" smtClean="0"/>
+              <a:t>Data contains missing values</a:t>
+            </a:r>
+          </a:p>
+          <a:p>
+            <a:pPr marL="514350" indent="-514350">
+              <a:buAutoNum type="arabicPeriod"/>
+            </a:pPr>
+            <a:r>
+              <a:rPr lang="en-US" dirty="0" smtClean="0"/>
+              <a:t>Data contains a mix of categorical and continuous variables</a:t>
+            </a:r>
+          </a:p>
+          <a:p>
+            <a:pPr marL="514350" indent="-514350">
+              <a:buAutoNum type="arabicPeriod"/>
+            </a:pPr>
+            <a:r>
+              <a:rPr lang="en-US" dirty="0" smtClean="0"/>
+              <a:t>No prior knowledge about the distribution of the variables was used before model was build</a:t>
+            </a:r>
+          </a:p>
+          <a:p>
+            <a:pPr marL="514350" indent="-514350">
+              <a:buAutoNum type="arabicPeriod"/>
+            </a:pPr>
+            <a:r>
+              <a:rPr lang="en-US" dirty="0" smtClean="0"/>
+              <a:t>“True” machine learning problem without any human intervention</a:t>
+            </a:r>
+            <a:endParaRPr lang="en-US" dirty="0"/>
+          </a:p>
+        </p:txBody>
+      </p:sp>
+      <p:sp>
+        <p:nvSpPr>
+          <p:cNvPr id="4" name="Title 1"/>
+          <p:cNvSpPr>
+            <a:spLocks noGrp="1"/>
+          </p:cNvSpPr>
+          <p:nvPr>
+            <p:ph type="title"/>
+          </p:nvPr>
+        </p:nvSpPr>
+        <p:spPr>
+          <a:xfrm>
+            <a:off x="762000" y="269632"/>
+            <a:ext cx="8077200" cy="1143000"/>
+          </a:xfrm>
+        </p:spPr>
+        <p:txBody>
+          <a:bodyPr/>
+          <a:lstStyle/>
+          <a:p>
+            <a:r>
+              <a:rPr lang="en-US" dirty="0" smtClean="0"/>
+              <a:t>Real World Example </a:t>
+            </a:r>
+            <a:endParaRPr lang="en-US" dirty="0"/>
+          </a:p>
+        </p:txBody>
+      </p:sp>
+    </p:spTree>
+    <p:extLst>
+      <p:ext uri="{BB962C8B-B14F-4D97-AF65-F5344CB8AC3E}">
+        <p14:creationId xmlns:p14="http://schemas.microsoft.com/office/powerpoint/2010/main" val="2881196955"/>
+      </p:ext>
+    </p:extLst>
+  </p:cSld>
+  <p:clrMapOvr>
+    <a:masterClrMapping/>
+  </p:clrMapOvr>
+  <p:transition spd="slow">
+    <p:wipe dir="d"/>
+  </p:transition>
+</p:sld>
+</file>
+
+<file path=ppt/slides/slide27.xml><?xml version="1.0" encoding="utf-8"?>
+<p:sld xmlns:a="http://schemas.openxmlformats.org/drawingml/2006/main" xmlns:r="http://schemas.openxmlformats.org/officeDocument/2006/relationships" xmlns:p="http://schemas.openxmlformats.org/presentationml/2006/main">
+  <p:cSld>
+    <p:spTree>
+      <p:nvGrpSpPr>
+        <p:cNvPr id="1" name=""/>
+        <p:cNvGrpSpPr/>
+        <p:nvPr/>
+      </p:nvGrpSpPr>
+      <p:grpSpPr>
+        <a:xfrm>
+          <a:off x="0" y="0"/>
+          <a:ext cx="0" cy="0"/>
+          <a:chOff x="0" y="0"/>
+          <a:chExt cx="0" cy="0"/>
+        </a:xfrm>
+      </p:grpSpPr>
+      <p:sp>
+        <p:nvSpPr>
+          <p:cNvPr id="3" name="Content Placeholder 2"/>
+          <p:cNvSpPr>
+            <a:spLocks noGrp="1"/>
+          </p:cNvSpPr>
+          <p:nvPr>
+            <p:ph idx="1"/>
+          </p:nvPr>
+        </p:nvSpPr>
+        <p:spPr>
+          <a:xfrm>
+            <a:off x="762000" y="1600200"/>
+            <a:ext cx="8077200" cy="4724400"/>
+          </a:xfrm>
+        </p:spPr>
+        <p:txBody>
+          <a:bodyPr>
+            <a:normAutofit/>
+          </a:bodyPr>
+          <a:lstStyle/>
+          <a:p>
+            <a:r>
+              <a:rPr lang="en-US" dirty="0" smtClean="0"/>
+              <a:t>K-fold cross validation used to fit and score model (k=10)</a:t>
+            </a:r>
+          </a:p>
+          <a:p>
+            <a:endParaRPr lang="en-US" dirty="0" smtClean="0"/>
+          </a:p>
+          <a:p>
+            <a:r>
+              <a:rPr lang="en-US" dirty="0" smtClean="0"/>
+              <a:t>&lt; 1 minute execution time to import data, build classifier and score model</a:t>
+            </a:r>
+          </a:p>
+          <a:p>
+            <a:endParaRPr lang="en-US" dirty="0" smtClean="0"/>
+          </a:p>
+          <a:p>
+            <a:r>
+              <a:rPr lang="en-US" dirty="0" smtClean="0"/>
+              <a:t>Model predicts 82% of observations correctly with AUC=.899!</a:t>
+            </a:r>
+          </a:p>
+          <a:p>
+            <a:endParaRPr lang="en-US" dirty="0"/>
+          </a:p>
+        </p:txBody>
+      </p:sp>
+      <p:sp>
+        <p:nvSpPr>
+          <p:cNvPr id="4" name="Title 1"/>
+          <p:cNvSpPr>
+            <a:spLocks noGrp="1"/>
+          </p:cNvSpPr>
+          <p:nvPr>
+            <p:ph type="title"/>
+          </p:nvPr>
+        </p:nvSpPr>
+        <p:spPr>
+          <a:xfrm>
+            <a:off x="762000" y="269632"/>
+            <a:ext cx="8077200" cy="1143000"/>
+          </a:xfrm>
+        </p:spPr>
+        <p:txBody>
+          <a:bodyPr/>
+          <a:lstStyle/>
+          <a:p>
+            <a:r>
+              <a:rPr lang="en-US" dirty="0" smtClean="0"/>
+              <a:t>Real World Example </a:t>
+            </a:r>
+            <a:endParaRPr lang="en-US" dirty="0"/>
+          </a:p>
+        </p:txBody>
+      </p:sp>
+    </p:spTree>
+    <p:extLst>
+      <p:ext uri="{BB962C8B-B14F-4D97-AF65-F5344CB8AC3E}">
+        <p14:creationId xmlns:p14="http://schemas.microsoft.com/office/powerpoint/2010/main" val="4017534480"/>
       </p:ext>
     </p:extLst>
   </p:cSld>
